--- a/telemetry/slides.pptx
+++ b/telemetry/slides.pptx
@@ -4,17 +4,9 @@
   <p:sldMasterIdLst>
     <p:sldMasterId id="2147483648" r:id="rId1"/>
   </p:sldMasterIdLst>
-  <p:notesMasterIdLst>
-    <p:NotesMasterId r:id="rId9"/>
-  </p:notesMasterIdLst>
   <p:sldIdLst>
     <p:sldId id="256" r:id="rId2"/>
     <p:sldId id="257" r:id="rId3"/>
-    <p:sldId id="258" r:id="rId4"/>
-    <p:sldId id="259" r:id="rId5"/>
-    <p:sldId id="260" r:id="rId6"/>
-    <p:sldId id="261" r:id="rId7"/>
-    <p:sldId id="262" r:id="rId8"/>
   </p:sldIdLst>
   <p:sldSz cx="9144000" cy="6858000" type="screen4x3"/>
   <p:notesSz cx="6858000" cy="9144000"/>
@@ -130,708 +122,6 @@
     </p:ext>
   </p:extLst>
 </p:presentation>
-</file>
-
-<file path=ppt/notesMasters/notesMaster1.xml><?xml version="1.0" encoding="utf-8"?>
-<p:notesMaster xmlns:a="http://schemas.openxmlformats.org/drawingml/2006/main" xmlns:r="http://schemas.openxmlformats.org/officeDocument/2006/relationships" xmlns:p="http://schemas.openxmlformats.org/presentationml/2006/main">
-  <p:cSld>
-    <p:bg>
-      <p:bgRef idx="1001">
-        <a:schemeClr val="bg1"/>
-      </p:bgRef>
-    </p:bg>
-    <p:spTree>
-      <p:nvGrpSpPr>
-        <p:cNvPr id="1" name=""/>
-        <p:cNvGrpSpPr/>
-        <p:nvPr/>
-      </p:nvGrpSpPr>
-      <p:grpSpPr>
-        <a:xfrm>
-          <a:off x="0" y="0"/>
-          <a:ext cx="0" cy="0"/>
-          <a:chOff x="0" y="0"/>
-          <a:chExt cx="0" cy="0"/>
-        </a:xfrm>
-      </p:grpSpPr>
-      <p:sp>
-        <p:nvSpPr>
-          <p:cNvPr id="2" name="Header Placeholder 1"/>
-          <p:cNvSpPr>
-            <a:spLocks noGrp="1"/>
-          </p:cNvSpPr>
-          <p:nvPr>
-            <p:ph type="hdr" sz="quarter"/>
-          </p:nvPr>
-        </p:nvSpPr>
-        <p:spPr>
-          <a:xfrm>
-            <a:off x="0" y="0"/>
-            <a:ext cx="2971800" cy="458788"/>
-          </a:xfrm>
-          <a:prstGeom prst="rect">
-            <a:avLst/>
-          </a:prstGeom>
-        </p:spPr>
-        <p:txBody>
-          <a:bodyPr vert="horz" lIns="91440" tIns="45720" rIns="91440" bIns="45720" rtlCol="0"/>
-          <a:lstStyle>
-            <a:lvl1pPr algn="l">
-              <a:defRPr sz="1200"/>
-            </a:lvl1pPr>
-          </a:lstStyle>
-          <a:p>
-            <a:endParaRPr lang="en-US"/>
-          </a:p>
-        </p:txBody>
-      </p:sp>
-      <p:sp>
-        <p:nvSpPr>
-          <p:cNvPr id="3" name="Date Placeholder 2"/>
-          <p:cNvSpPr>
-            <a:spLocks noGrp="1"/>
-          </p:cNvSpPr>
-          <p:nvPr>
-            <p:ph type="dt" idx="1"/>
-          </p:nvPr>
-        </p:nvSpPr>
-        <p:spPr>
-          <a:xfrm>
-            <a:off x="3884613" y="0"/>
-            <a:ext cx="2971800" cy="458788"/>
-          </a:xfrm>
-          <a:prstGeom prst="rect">
-            <a:avLst/>
-          </a:prstGeom>
-        </p:spPr>
-        <p:txBody>
-          <a:bodyPr vert="horz" lIns="91440" tIns="45720" rIns="91440" bIns="45720" rtlCol="0"/>
-          <a:lstStyle>
-            <a:lvl1pPr algn="r">
-              <a:defRPr sz="1200"/>
-            </a:lvl1pPr>
-          </a:lstStyle>
-          <a:p>
-            <a:fld id="{0F9C1CCF-B725-44A7-AA57-5E433BD85C9F}" type="datetimeFigureOut">
-              <a:rPr lang="en-US" smtClean="0"/>
-              <a:t>4/5/2019</a:t>
-            </a:fld>
-            <a:endParaRPr lang="en-US"/>
-          </a:p>
-        </p:txBody>
-      </p:sp>
-      <p:sp>
-        <p:nvSpPr>
-          <p:cNvPr id="4" name="Slide Image Placeholder 3"/>
-          <p:cNvSpPr>
-            <a:spLocks noGrp="1" noRot="1" noChangeAspect="1"/>
-          </p:cNvSpPr>
-          <p:nvPr>
-            <p:ph type="sldImg" idx="2"/>
-          </p:nvPr>
-        </p:nvSpPr>
-        <p:spPr>
-          <a:xfrm>
-            <a:off x="1371600" y="1143000"/>
-            <a:ext cx="4114800" cy="3086100"/>
-          </a:xfrm>
-          <a:prstGeom prst="rect">
-            <a:avLst/>
-          </a:prstGeom>
-          <a:noFill/>
-          <a:ln w="12700">
-            <a:solidFill>
-              <a:prstClr val="black"/>
-            </a:solidFill>
-          </a:ln>
-        </p:spPr>
-        <p:txBody>
-          <a:bodyPr vert="horz" lIns="91440" tIns="45720" rIns="91440" bIns="45720" rtlCol="0" anchor="ctr"/>
-          <a:lstStyle/>
-          <a:p>
-            <a:endParaRPr lang="en-US"/>
-          </a:p>
-        </p:txBody>
-      </p:sp>
-      <p:sp>
-        <p:nvSpPr>
-          <p:cNvPr id="5" name="Notes Placeholder 4"/>
-          <p:cNvSpPr>
-            <a:spLocks noGrp="1"/>
-          </p:cNvSpPr>
-          <p:nvPr>
-            <p:ph type="body" sz="quarter" idx="3"/>
-          </p:nvPr>
-        </p:nvSpPr>
-        <p:spPr>
-          <a:xfrm>
-            <a:off x="685800" y="4400550"/>
-            <a:ext cx="5486400" cy="3600450"/>
-          </a:xfrm>
-          <a:prstGeom prst="rect">
-            <a:avLst/>
-          </a:prstGeom>
-        </p:spPr>
-        <p:txBody>
-          <a:bodyPr vert="horz" lIns="91440" tIns="45720" rIns="91440" bIns="45720" rtlCol="0"/>
-          <a:lstStyle/>
-          <a:p>
-            <a:pPr lvl="0"/>
-            <a:r>
-              <a:rPr lang="en-US" smtClean="0"/>
-              <a:t>Click to edit Master text styles</a:t>
-            </a:r>
-          </a:p>
-          <a:p>
-            <a:pPr lvl="1"/>
-            <a:r>
-              <a:rPr lang="en-US" smtClean="0"/>
-              <a:t>Second level</a:t>
-            </a:r>
-          </a:p>
-          <a:p>
-            <a:pPr lvl="2"/>
-            <a:r>
-              <a:rPr lang="en-US" smtClean="0"/>
-              <a:t>Third level</a:t>
-            </a:r>
-          </a:p>
-          <a:p>
-            <a:pPr lvl="3"/>
-            <a:r>
-              <a:rPr lang="en-US" smtClean="0"/>
-              <a:t>Fourth level</a:t>
-            </a:r>
-          </a:p>
-          <a:p>
-            <a:pPr lvl="4"/>
-            <a:r>
-              <a:rPr lang="en-US" smtClean="0"/>
-              <a:t>Fifth level</a:t>
-            </a:r>
-            <a:endParaRPr lang="en-US"/>
-          </a:p>
-        </p:txBody>
-      </p:sp>
-      <p:sp>
-        <p:nvSpPr>
-          <p:cNvPr id="6" name="Footer Placeholder 5"/>
-          <p:cNvSpPr>
-            <a:spLocks noGrp="1"/>
-          </p:cNvSpPr>
-          <p:nvPr>
-            <p:ph type="ftr" sz="quarter" idx="4"/>
-          </p:nvPr>
-        </p:nvSpPr>
-        <p:spPr>
-          <a:xfrm>
-            <a:off x="0" y="8685213"/>
-            <a:ext cx="2971800" cy="458787"/>
-          </a:xfrm>
-          <a:prstGeom prst="rect">
-            <a:avLst/>
-          </a:prstGeom>
-        </p:spPr>
-        <p:txBody>
-          <a:bodyPr vert="horz" lIns="91440" tIns="45720" rIns="91440" bIns="45720" rtlCol="0" anchor="b"/>
-          <a:lstStyle>
-            <a:lvl1pPr algn="l">
-              <a:defRPr sz="1200"/>
-            </a:lvl1pPr>
-          </a:lstStyle>
-          <a:p>
-            <a:endParaRPr lang="en-US"/>
-          </a:p>
-        </p:txBody>
-      </p:sp>
-      <p:sp>
-        <p:nvSpPr>
-          <p:cNvPr id="7" name="Slide Number Placeholder 6"/>
-          <p:cNvSpPr>
-            <a:spLocks noGrp="1"/>
-          </p:cNvSpPr>
-          <p:nvPr>
-            <p:ph type="sldNum" sz="quarter" idx="5"/>
-          </p:nvPr>
-        </p:nvSpPr>
-        <p:spPr>
-          <a:xfrm>
-            <a:off x="3884613" y="8685213"/>
-            <a:ext cx="2971800" cy="458787"/>
-          </a:xfrm>
-          <a:prstGeom prst="rect">
-            <a:avLst/>
-          </a:prstGeom>
-        </p:spPr>
-        <p:txBody>
-          <a:bodyPr vert="horz" lIns="91440" tIns="45720" rIns="91440" bIns="45720" rtlCol="0" anchor="b"/>
-          <a:lstStyle>
-            <a:lvl1pPr algn="r">
-              <a:defRPr sz="1200"/>
-            </a:lvl1pPr>
-          </a:lstStyle>
-          <a:p>
-            <a:fld id="{18BDFEC3-8487-43E8-A154-7C12CBC1FFF2}" type="slidenum">
-              <a:rPr lang="en-US" smtClean="0"/>
-              <a:t>‹#›</a:t>
-            </a:fld>
-            <a:endParaRPr lang="en-US"/>
-          </a:p>
-        </p:txBody>
-      </p:sp>
-    </p:spTree>
-    <p:extLst>
-      <p:ext uri="{BB962C8B-B14F-4D97-AF65-F5344CB8AC3E}">
-        <p14:creationId xmlns:p14="http://schemas.microsoft.com/office/powerpoint/2010/main" val="3782709779"/>
-      </p:ext>
-    </p:extLst>
-  </p:cSld>
-  <p:clrMap bg1="lt1" tx1="dk1" bg2="lt2" tx2="dk2" accent1="accent1" accent2="accent2" accent3="accent3" accent4="accent4" accent5="accent5" accent6="accent6" hlink="hlink" folHlink="folHlink"/>
-  <p:notesStyle>
-    <a:lvl1pPr marL="0" algn="l" defTabSz="914400" rtl="0" eaLnBrk="1" latinLnBrk="0" hangingPunct="1">
-      <a:defRPr sz="1200" kern="1200">
-        <a:solidFill>
-          <a:schemeClr val="tx1"/>
-        </a:solidFill>
-        <a:latin typeface="+mn-lt"/>
-        <a:ea typeface="+mn-ea"/>
-        <a:cs typeface="+mn-cs"/>
-      </a:defRPr>
-    </a:lvl1pPr>
-    <a:lvl2pPr marL="457200" algn="l" defTabSz="914400" rtl="0" eaLnBrk="1" latinLnBrk="0" hangingPunct="1">
-      <a:defRPr sz="1200" kern="1200">
-        <a:solidFill>
-          <a:schemeClr val="tx1"/>
-        </a:solidFill>
-        <a:latin typeface="+mn-lt"/>
-        <a:ea typeface="+mn-ea"/>
-        <a:cs typeface="+mn-cs"/>
-      </a:defRPr>
-    </a:lvl2pPr>
-    <a:lvl3pPr marL="914400" algn="l" defTabSz="914400" rtl="0" eaLnBrk="1" latinLnBrk="0" hangingPunct="1">
-      <a:defRPr sz="1200" kern="1200">
-        <a:solidFill>
-          <a:schemeClr val="tx1"/>
-        </a:solidFill>
-        <a:latin typeface="+mn-lt"/>
-        <a:ea typeface="+mn-ea"/>
-        <a:cs typeface="+mn-cs"/>
-      </a:defRPr>
-    </a:lvl3pPr>
-    <a:lvl4pPr marL="1371600" algn="l" defTabSz="914400" rtl="0" eaLnBrk="1" latinLnBrk="0" hangingPunct="1">
-      <a:defRPr sz="1200" kern="1200">
-        <a:solidFill>
-          <a:schemeClr val="tx1"/>
-        </a:solidFill>
-        <a:latin typeface="+mn-lt"/>
-        <a:ea typeface="+mn-ea"/>
-        <a:cs typeface="+mn-cs"/>
-      </a:defRPr>
-    </a:lvl4pPr>
-    <a:lvl5pPr marL="1828800" algn="l" defTabSz="914400" rtl="0" eaLnBrk="1" latinLnBrk="0" hangingPunct="1">
-      <a:defRPr sz="1200" kern="1200">
-        <a:solidFill>
-          <a:schemeClr val="tx1"/>
-        </a:solidFill>
-        <a:latin typeface="+mn-lt"/>
-        <a:ea typeface="+mn-ea"/>
-        <a:cs typeface="+mn-cs"/>
-      </a:defRPr>
-    </a:lvl5pPr>
-    <a:lvl6pPr marL="2286000" algn="l" defTabSz="914400" rtl="0" eaLnBrk="1" latinLnBrk="0" hangingPunct="1">
-      <a:defRPr sz="1200" kern="1200">
-        <a:solidFill>
-          <a:schemeClr val="tx1"/>
-        </a:solidFill>
-        <a:latin typeface="+mn-lt"/>
-        <a:ea typeface="+mn-ea"/>
-        <a:cs typeface="+mn-cs"/>
-      </a:defRPr>
-    </a:lvl6pPr>
-    <a:lvl7pPr marL="2743200" algn="l" defTabSz="914400" rtl="0" eaLnBrk="1" latinLnBrk="0" hangingPunct="1">
-      <a:defRPr sz="1200" kern="1200">
-        <a:solidFill>
-          <a:schemeClr val="tx1"/>
-        </a:solidFill>
-        <a:latin typeface="+mn-lt"/>
-        <a:ea typeface="+mn-ea"/>
-        <a:cs typeface="+mn-cs"/>
-      </a:defRPr>
-    </a:lvl7pPr>
-    <a:lvl8pPr marL="3200400" algn="l" defTabSz="914400" rtl="0" eaLnBrk="1" latinLnBrk="0" hangingPunct="1">
-      <a:defRPr sz="1200" kern="1200">
-        <a:solidFill>
-          <a:schemeClr val="tx1"/>
-        </a:solidFill>
-        <a:latin typeface="+mn-lt"/>
-        <a:ea typeface="+mn-ea"/>
-        <a:cs typeface="+mn-cs"/>
-      </a:defRPr>
-    </a:lvl8pPr>
-    <a:lvl9pPr marL="3657600" algn="l" defTabSz="914400" rtl="0" eaLnBrk="1" latinLnBrk="0" hangingPunct="1">
-      <a:defRPr sz="1200" kern="1200">
-        <a:solidFill>
-          <a:schemeClr val="tx1"/>
-        </a:solidFill>
-        <a:latin typeface="+mn-lt"/>
-        <a:ea typeface="+mn-ea"/>
-        <a:cs typeface="+mn-cs"/>
-      </a:defRPr>
-    </a:lvl9pPr>
-  </p:notesStyle>
-</p:notesMaster>
-</file>
-
-<file path=ppt/notesSlides/notesSlide1.xml><?xml version="1.0" encoding="utf-8"?>
-<p:notes xmlns:a="http://schemas.openxmlformats.org/drawingml/2006/main" xmlns:r="http://schemas.openxmlformats.org/officeDocument/2006/relationships" xmlns:p="http://schemas.openxmlformats.org/presentationml/2006/main">
-  <p:cSld>
-    <p:spTree>
-      <p:nvGrpSpPr>
-        <p:cNvPr id="1" name=""/>
-        <p:cNvGrpSpPr/>
-        <p:nvPr/>
-      </p:nvGrpSpPr>
-      <p:grpSpPr>
-        <a:xfrm>
-          <a:off x="0" y="0"/>
-          <a:ext cx="0" cy="0"/>
-          <a:chOff x="0" y="0"/>
-          <a:chExt cx="0" cy="0"/>
-        </a:xfrm>
-      </p:grpSpPr>
-      <p:sp>
-        <p:nvSpPr>
-          <p:cNvPr id="2" name="Slide Image Placeholder 1"/>
-          <p:cNvSpPr>
-            <a:spLocks noGrp="1" noRot="1" noChangeAspect="1"/>
-          </p:cNvSpPr>
-          <p:nvPr>
-            <p:ph type="sldImg"/>
-          </p:nvPr>
-        </p:nvSpPr>
-        <p:spPr/>
-      </p:sp>
-      <p:sp>
-        <p:nvSpPr>
-          <p:cNvPr id="3" name="Notes Placeholder 2"/>
-          <p:cNvSpPr>
-            <a:spLocks noGrp="1"/>
-          </p:cNvSpPr>
-          <p:nvPr>
-            <p:ph type="body" idx="1"/>
-          </p:nvPr>
-        </p:nvSpPr>
-        <p:spPr/>
-        <p:txBody>
-          <a:bodyPr/>
-          <a:lstStyle/>
-          <a:p>
-            <a:pPr lvl="0" marL="0" indent="0">
-              <a:buNone/>
-            </a:pPr>
-            <a:r>
-              <a:rPr/>
-              <a:t>This</a:t>
-            </a:r>
-            <a:r>
-              <a:rPr/>
-              <a:t> </a:t>
-            </a:r>
-            <a:r>
-              <a:rPr/>
-              <a:t>is</a:t>
-            </a:r>
-            <a:r>
-              <a:rPr/>
-              <a:t> </a:t>
-            </a:r>
-            <a:r>
-              <a:rPr/>
-              <a:t>a</a:t>
-            </a:r>
-            <a:r>
-              <a:rPr/>
-              <a:t> </a:t>
-            </a:r>
-            <a:r>
-              <a:rPr/>
-              <a:t>speaker</a:t>
-            </a:r>
-            <a:r>
-              <a:rPr/>
-              <a:t> </a:t>
-            </a:r>
-            <a:r>
-              <a:rPr/>
-              <a:t>note.</a:t>
-            </a:r>
-          </a:p>
-          <a:p>
-            <a:pPr lvl="0" marL="0" indent="0">
-              <a:buNone/>
-            </a:pPr>
-          </a:p>
-          <a:p>
-            <a:pPr lvl="1"/>
-            <a:r>
-              <a:rPr/>
-              <a:t>Use</a:t>
-            </a:r>
-            <a:r>
-              <a:rPr/>
-              <a:t> </a:t>
-            </a:r>
-            <a:r>
-              <a:rPr/>
-              <a:t>basic</a:t>
-            </a:r>
-            <a:r>
-              <a:rPr/>
-              <a:t> </a:t>
-            </a:r>
-            <a:r>
-              <a:rPr/>
-              <a:t>Markdown</a:t>
-            </a:r>
-          </a:p>
-          <a:p>
-            <a:pPr lvl="0" marL="0" indent="0">
-              <a:buNone/>
-            </a:pPr>
-          </a:p>
-          <a:p>
-            <a:pPr lvl="1"/>
-            <a:r>
-              <a:rPr/>
-              <a:t>like</a:t>
-            </a:r>
-            <a:r>
-              <a:rPr/>
-              <a:t> </a:t>
-            </a:r>
-            <a:r>
-              <a:rPr/>
-              <a:t>this</a:t>
-            </a:r>
-            <a:r>
-              <a:rPr/>
-              <a:t> </a:t>
-            </a:r>
-            <a:r>
-              <a:rPr/>
-              <a:t>list</a:t>
-            </a:r>
-          </a:p>
-          <a:p>
-            <a:pPr lvl="0" marL="0" indent="0">
-              <a:buNone/>
-            </a:pPr>
-          </a:p>
-          <a:p>
-            <a:pPr lvl="1"/>
-            <a:r>
-              <a:rPr i="1"/>
-              <a:t>and</a:t>
-            </a:r>
-            <a:r>
-              <a:rPr i="1"/>
-              <a:t> </a:t>
-            </a:r>
-            <a:r>
-              <a:rPr i="1"/>
-              <a:t>inline</a:t>
-            </a:r>
-            <a:r>
-              <a:rPr i="1"/>
-              <a:t> </a:t>
-            </a:r>
-            <a:r>
-              <a:rPr i="1"/>
-              <a:t>formatting</a:t>
-            </a:r>
-          </a:p>
-        </p:txBody>
-      </p:sp>
-      <p:sp>
-        <p:nvSpPr>
-          <p:cNvPr id="4" name="Slide Number Placeholder 3"/>
-          <p:cNvSpPr>
-            <a:spLocks noGrp="1"/>
-          </p:cNvSpPr>
-          <p:nvPr>
-            <p:ph type="sldNum" sz="quarter" idx="10"/>
-          </p:nvPr>
-        </p:nvSpPr>
-        <p:spPr/>
-        <p:txBody>
-          <a:bodyPr/>
-          <a:lstStyle/>
-          <a:p>
-            <a:fld id="{18BDFEC3-8487-43E8-A154-7C12CBC1FFF2}" type="slidenum">
-              <a:rPr lang="en-US"/>
-              <a:t>5</a:t>
-            </a:fld>
-            <a:endParaRPr lang="en-US"/>
-          </a:p>
-        </p:txBody>
-      </p:sp>
-    </p:spTree>
-  </p:cSld>
-</p:notes>
-</file>
-
-<file path=ppt/notesSlides/notesSlide2.xml><?xml version="1.0" encoding="utf-8"?>
-<p:notes xmlns:a="http://schemas.openxmlformats.org/drawingml/2006/main" xmlns:r="http://schemas.openxmlformats.org/officeDocument/2006/relationships" xmlns:p="http://schemas.openxmlformats.org/presentationml/2006/main">
-  <p:cSld>
-    <p:spTree>
-      <p:nvGrpSpPr>
-        <p:cNvPr id="1" name=""/>
-        <p:cNvGrpSpPr/>
-        <p:nvPr/>
-      </p:nvGrpSpPr>
-      <p:grpSpPr>
-        <a:xfrm>
-          <a:off x="0" y="0"/>
-          <a:ext cx="0" cy="0"/>
-          <a:chOff x="0" y="0"/>
-          <a:chExt cx="0" cy="0"/>
-        </a:xfrm>
-      </p:grpSpPr>
-      <p:sp>
-        <p:nvSpPr>
-          <p:cNvPr id="2" name="Slide Image Placeholder 1"/>
-          <p:cNvSpPr>
-            <a:spLocks noGrp="1" noRot="1" noChangeAspect="1"/>
-          </p:cNvSpPr>
-          <p:nvPr>
-            <p:ph type="sldImg"/>
-          </p:nvPr>
-        </p:nvSpPr>
-        <p:spPr/>
-      </p:sp>
-      <p:sp>
-        <p:nvSpPr>
-          <p:cNvPr id="3" name="Notes Placeholder 2"/>
-          <p:cNvSpPr>
-            <a:spLocks noGrp="1"/>
-          </p:cNvSpPr>
-          <p:nvPr>
-            <p:ph type="body" idx="1"/>
-          </p:nvPr>
-        </p:nvSpPr>
-        <p:spPr/>
-        <p:txBody>
-          <a:bodyPr/>
-          <a:lstStyle/>
-          <a:p>
-            <a:pPr lvl="0" marL="0" indent="0">
-              <a:buNone/>
-            </a:pPr>
-            <a:r>
-              <a:rPr/>
-              <a:t>I</a:t>
-            </a:r>
-            <a:r>
-              <a:rPr/>
-              <a:t> </a:t>
-            </a:r>
-            <a:r>
-              <a:rPr/>
-              <a:t>am</a:t>
-            </a:r>
-            <a:r>
-              <a:rPr/>
-              <a:t> </a:t>
-            </a:r>
-            <a:r>
-              <a:rPr/>
-              <a:t>thinking</a:t>
-            </a:r>
-            <a:r>
-              <a:rPr/>
-              <a:t> </a:t>
-            </a:r>
-            <a:r>
-              <a:rPr/>
-              <a:t>that</a:t>
-            </a:r>
-            <a:r>
-              <a:rPr/>
-              <a:t> </a:t>
-            </a:r>
-            <a:r>
-              <a:rPr/>
-              <a:t>this</a:t>
-            </a:r>
-            <a:r>
-              <a:rPr/>
-              <a:t> </a:t>
-            </a:r>
-            <a:r>
-              <a:rPr/>
-              <a:t>will</a:t>
-            </a:r>
-            <a:r>
-              <a:rPr/>
-              <a:t> </a:t>
-            </a:r>
-            <a:r>
-              <a:rPr/>
-              <a:t>be</a:t>
-            </a:r>
-            <a:r>
-              <a:rPr/>
-              <a:t> </a:t>
-            </a:r>
-            <a:r>
-              <a:rPr/>
-              <a:t>in</a:t>
-            </a:r>
-            <a:r>
-              <a:rPr/>
-              <a:t> </a:t>
-            </a:r>
-            <a:r>
-              <a:rPr/>
-              <a:t>javascript</a:t>
-            </a:r>
-            <a:r>
-              <a:rPr/>
-              <a:t> </a:t>
-            </a:r>
-            <a:r>
-              <a:rPr/>
-              <a:t>format</a:t>
-            </a:r>
-          </a:p>
-        </p:txBody>
-      </p:sp>
-      <p:sp>
-        <p:nvSpPr>
-          <p:cNvPr id="4" name="Slide Number Placeholder 3"/>
-          <p:cNvSpPr>
-            <a:spLocks noGrp="1"/>
-          </p:cNvSpPr>
-          <p:nvPr>
-            <p:ph type="sldNum" sz="quarter" idx="10"/>
-          </p:nvPr>
-        </p:nvSpPr>
-        <p:spPr/>
-        <p:txBody>
-          <a:bodyPr/>
-          <a:lstStyle/>
-          <a:p>
-            <a:fld id="{18BDFEC3-8487-43E8-A154-7C12CBC1FFF2}" type="slidenum">
-              <a:rPr lang="en-US"/>
-              <a:t>6</a:t>
-            </a:fld>
-            <a:endParaRPr lang="en-US"/>
-          </a:p>
-        </p:txBody>
-      </p:sp>
-    </p:spTree>
-  </p:cSld>
-</p:notes>
 </file>
 
 <file path=ppt/slideLayouts/slideLayout1.xml><?xml version="1.0" encoding="utf-8"?>
@@ -3847,31 +3137,7 @@
             </a:pPr>
             <a:r>
               <a:rPr/>
-              <a:t>Title</a:t>
-            </a:r>
-            <a:r>
-              <a:rPr/>
-              <a:t> </a:t>
-            </a:r>
-            <a:r>
-              <a:rPr/>
-              <a:t>slide</a:t>
-            </a:r>
-            <a:r>
-              <a:rPr/>
-              <a:t> </a:t>
-            </a:r>
-            <a:r>
-              <a:rPr/>
-              <a:t>(Slide</a:t>
-            </a:r>
-            <a:r>
-              <a:rPr/>
-              <a:t> </a:t>
-            </a:r>
-            <a:r>
-              <a:rPr/>
-              <a:t>1)</a:t>
+              <a:t>Telemetry</a:t>
             </a:r>
           </a:p>
         </p:txBody>
@@ -3936,12 +3202,7 @@
             <p:ph type="title"/>
           </p:nvPr>
         </p:nvSpPr>
-        <p:spPr>
-          <a:xfrm>
-            <a:off x="722313" y="4406900"/>
-            <a:ext cx="7772400" cy="1362075"/>
-          </a:xfrm>
-        </p:spPr>
+        <p:spPr/>
         <p:txBody>
           <a:bodyPr/>
           <a:lstStyle/>
@@ -3951,596 +3212,53 @@
             </a:pPr>
             <a:r>
               <a:rPr/>
-              <a:t>Section</a:t>
-            </a:r>
+              <a:t>Agenda</a:t>
+            </a:r>
+          </a:p>
+        </p:txBody>
+      </p:sp>
+      <p:sp>
+        <p:nvSpPr>
+          <p:cNvPr id="3" name="Content Placeholder 2"/>
+          <p:cNvSpPr>
+            <a:spLocks noGrp="1"/>
+          </p:cNvSpPr>
+          <p:nvPr>
+            <p:ph idx="1"/>
+          </p:nvPr>
+        </p:nvSpPr>
+        <p:spPr/>
+        <p:txBody>
+          <a:bodyPr/>
+          <a:lstStyle/>
+          <a:p>
+            <a:pPr lvl="1"/>
             <a:r>
               <a:rPr/>
-              <a:t> </a:t>
-            </a:r>
+              <a:t>Introduce the Challenge/Activity</a:t>
+            </a:r>
+          </a:p>
+          <a:p>
+            <a:pPr lvl="1"/>
             <a:r>
               <a:rPr/>
-              <a:t>header</a:t>
-            </a:r>
+              <a:t>Theory to support learning outcomes and the Activity</a:t>
+            </a:r>
+          </a:p>
+          <a:p>
+            <a:pPr lvl="1"/>
             <a:r>
               <a:rPr/>
-              <a:t> </a:t>
-            </a:r>
+              <a:t>Initial demo of activity</a:t>
+            </a:r>
+          </a:p>
+          <a:p>
+            <a:pPr lvl="0" marL="0" indent="0">
+              <a:buNone/>
+            </a:pPr>
             <a:r>
               <a:rPr/>
-              <a:t>(Slide</a:t>
-            </a:r>
-            <a:r>
-              <a:rPr/>
-              <a:t> </a:t>
-            </a:r>
-            <a:r>
-              <a:rPr/>
-              <a:t>2)</a:t>
-            </a:r>
-          </a:p>
-        </p:txBody>
-      </p:sp>
-    </p:spTree>
-  </p:cSld>
-</p:sld>
-</file>
-
-<file path=ppt/slides/slide3.xml><?xml version="1.0" encoding="utf-8"?>
-<p:sld xmlns:a="http://schemas.openxmlformats.org/drawingml/2006/main" xmlns:r="http://schemas.openxmlformats.org/officeDocument/2006/relationships" xmlns:p="http://schemas.openxmlformats.org/presentationml/2006/main">
-  <p:cSld>
-    <p:spTree>
-      <p:nvGrpSpPr>
-        <p:cNvPr id="1" name=""/>
-        <p:cNvGrpSpPr/>
-        <p:nvPr/>
-      </p:nvGrpSpPr>
-      <p:grpSpPr>
-        <a:xfrm>
-          <a:off x="0" y="0"/>
-          <a:ext cx="0" cy="0"/>
-          <a:chOff x="0" y="0"/>
-          <a:chExt cx="0" cy="0"/>
-        </a:xfrm>
-      </p:grpSpPr>
-      <p:sp>
-        <p:nvSpPr>
-          <p:cNvPr id="2" name="Title 1"/>
-          <p:cNvSpPr>
-            <a:spLocks noGrp="1"/>
-          </p:cNvSpPr>
-          <p:nvPr>
-            <p:ph type="title"/>
-          </p:nvPr>
-        </p:nvSpPr>
-        <p:spPr>
-          <a:xfrm>
-            <a:off x="722313" y="4406900"/>
-            <a:ext cx="7772400" cy="1362075"/>
-          </a:xfrm>
-        </p:spPr>
-        <p:txBody>
-          <a:bodyPr/>
-          <a:lstStyle/>
-          <a:p>
-            <a:pPr lvl="0" marL="0" indent="0">
-              <a:buNone/>
-            </a:pPr>
-            <a:r>
-              <a:rPr/>
-              <a:t>Section</a:t>
-            </a:r>
-            <a:r>
-              <a:rPr/>
-              <a:t> </a:t>
-            </a:r>
-            <a:r>
-              <a:rPr/>
-              <a:t>header</a:t>
-            </a:r>
-            <a:r>
-              <a:rPr/>
-              <a:t> </a:t>
-            </a:r>
-            <a:r>
-              <a:rPr/>
-              <a:t>(Slide</a:t>
-            </a:r>
-            <a:r>
-              <a:rPr/>
-              <a:t> </a:t>
-            </a:r>
-            <a:r>
-              <a:rPr/>
-              <a:t>3)</a:t>
-            </a:r>
-          </a:p>
-        </p:txBody>
-      </p:sp>
-    </p:spTree>
-  </p:cSld>
-</p:sld>
-</file>
-
-<file path=ppt/slides/slide4.xml><?xml version="1.0" encoding="utf-8"?>
-<p:sld xmlns:a="http://schemas.openxmlformats.org/drawingml/2006/main" xmlns:r="http://schemas.openxmlformats.org/officeDocument/2006/relationships" xmlns:p="http://schemas.openxmlformats.org/presentationml/2006/main">
-  <p:cSld>
-    <p:spTree>
-      <p:nvGrpSpPr>
-        <p:cNvPr id="1" name=""/>
-        <p:cNvGrpSpPr/>
-        <p:nvPr/>
-      </p:nvGrpSpPr>
-      <p:grpSpPr>
-        <a:xfrm>
-          <a:off x="0" y="0"/>
-          <a:ext cx="0" cy="0"/>
-          <a:chOff x="0" y="0"/>
-          <a:chExt cx="0" cy="0"/>
-        </a:xfrm>
-      </p:grpSpPr>
-      <p:sp>
-        <p:nvSpPr>
-          <p:cNvPr id="2" name="Title 1"/>
-          <p:cNvSpPr>
-            <a:spLocks noGrp="1"/>
-          </p:cNvSpPr>
-          <p:nvPr>
-            <p:ph type="title"/>
-          </p:nvPr>
-        </p:nvSpPr>
-        <p:spPr/>
-        <p:txBody>
-          <a:bodyPr/>
-          <a:lstStyle/>
-          <a:p>
-            <a:pPr lvl="0" marL="0" indent="0">
-              <a:buNone/>
-            </a:pPr>
-            <a:r>
-              <a:rPr/>
-              <a:t>Slide</a:t>
-            </a:r>
-            <a:r>
-              <a:rPr/>
-              <a:t> </a:t>
-            </a:r>
-            <a:r>
-              <a:rPr/>
-              <a:t>Title</a:t>
-            </a:r>
-            <a:r>
-              <a:rPr/>
-              <a:t> </a:t>
-            </a:r>
-            <a:r>
-              <a:rPr/>
-              <a:t>(Slide</a:t>
-            </a:r>
-            <a:r>
-              <a:rPr/>
-              <a:t> </a:t>
-            </a:r>
-            <a:r>
-              <a:rPr/>
-              <a:t>4)</a:t>
-            </a:r>
-          </a:p>
-        </p:txBody>
-      </p:sp>
-      <p:sp>
-        <p:nvSpPr>
-          <p:cNvPr id="3" name="Content Placeholder 2"/>
-          <p:cNvSpPr>
-            <a:spLocks noGrp="1"/>
-          </p:cNvSpPr>
-          <p:nvPr>
-            <p:ph idx="1"/>
-          </p:nvPr>
-        </p:nvSpPr>
-        <p:spPr/>
-        <p:txBody>
-          <a:bodyPr/>
-          <a:lstStyle/>
-          <a:p>
-            <a:pPr lvl="0" marL="0" indent="0">
-              <a:buNone/>
-            </a:pPr>
-            <a:r>
-              <a:rPr/>
-              <a:t>Slide Content (by default this content sets the slide level to three)</a:t>
-            </a:r>
-          </a:p>
-          <a:p>
-            <a:pPr lvl="0" marL="0" indent="0">
-              <a:spcBef>
-                <a:spcPts val="3000"/>
-              </a:spcBef>
-              <a:buNone/>
-            </a:pPr>
-            <a:r>
-              <a:rPr b="1"/>
-              <a:t>Slide content header (Slide 4)</a:t>
-            </a:r>
-          </a:p>
-          <a:p>
-            <a:pPr lvl="0" marL="0" indent="0">
-              <a:spcBef>
-                <a:spcPts val="3000"/>
-              </a:spcBef>
-              <a:buNone/>
-            </a:pPr>
-            <a:r>
-              <a:rPr b="1"/>
-              <a:t>Slide content header (Slide 4)</a:t>
-            </a:r>
-          </a:p>
-        </p:txBody>
-      </p:sp>
-    </p:spTree>
-  </p:cSld>
-</p:sld>
-</file>
-
-<file path=ppt/slides/slide5.xml><?xml version="1.0" encoding="utf-8"?>
-<p:sld xmlns:a="http://schemas.openxmlformats.org/drawingml/2006/main" xmlns:r="http://schemas.openxmlformats.org/officeDocument/2006/relationships" xmlns:p="http://schemas.openxmlformats.org/presentationml/2006/main">
-  <p:cSld>
-    <p:spTree>
-      <p:nvGrpSpPr>
-        <p:cNvPr id="1" name=""/>
-        <p:cNvGrpSpPr/>
-        <p:nvPr/>
-      </p:nvGrpSpPr>
-      <p:grpSpPr>
-        <a:xfrm>
-          <a:off x="0" y="0"/>
-          <a:ext cx="0" cy="0"/>
-          <a:chOff x="0" y="0"/>
-          <a:chExt cx="0" cy="0"/>
-        </a:xfrm>
-      </p:grpSpPr>
-      <p:sp>
-        <p:nvSpPr>
-          <p:cNvPr id="2" name="Title 1"/>
-          <p:cNvSpPr>
-            <a:spLocks noGrp="1"/>
-          </p:cNvSpPr>
-          <p:nvPr>
-            <p:ph type="title"/>
-          </p:nvPr>
-        </p:nvSpPr>
-        <p:spPr/>
-        <p:txBody>
-          <a:bodyPr/>
-          <a:lstStyle/>
-          <a:p>
-            <a:pPr lvl="0" marL="0" indent="0">
-              <a:buNone/>
-            </a:pPr>
-            <a:r>
-              <a:rPr/>
-              <a:t>Slide</a:t>
-            </a:r>
-            <a:r>
-              <a:rPr/>
-              <a:t> </a:t>
-            </a:r>
-            <a:r>
-              <a:rPr/>
-              <a:t>Title</a:t>
-            </a:r>
-            <a:r>
-              <a:rPr/>
-              <a:t> </a:t>
-            </a:r>
-            <a:r>
-              <a:rPr/>
-              <a:t>(Slide</a:t>
-            </a:r>
-            <a:r>
-              <a:rPr/>
-              <a:t> </a:t>
-            </a:r>
-            <a:r>
-              <a:rPr/>
-              <a:t>5)</a:t>
-            </a:r>
-          </a:p>
-        </p:txBody>
-      </p:sp>
-      <p:sp>
-        <p:nvSpPr>
-          <p:cNvPr id="3" name="Content Placeholder 2"/>
-          <p:cNvSpPr>
-            <a:spLocks noGrp="1"/>
-          </p:cNvSpPr>
-          <p:nvPr>
-            <p:ph idx="1"/>
-          </p:nvPr>
-        </p:nvSpPr>
-        <p:spPr/>
-        <p:txBody>
-          <a:bodyPr/>
-          <a:lstStyle/>
-          <a:p>
-            <a:pPr lvl="1"/>
-            <a:r>
-              <a:rPr/>
-              <a:t>list item 1</a:t>
-            </a:r>
-          </a:p>
-          <a:p>
-            <a:pPr lvl="1"/>
-            <a:r>
-              <a:rPr/>
-              <a:t>list item 2</a:t>
-            </a:r>
-          </a:p>
-          <a:p>
-            <a:pPr lvl="0" marL="0" indent="0">
-              <a:spcBef>
-                <a:spcPts val="3000"/>
-              </a:spcBef>
-              <a:buNone/>
-            </a:pPr>
-            <a:r>
-              <a:rPr b="1"/>
-              <a:t>List 2</a:t>
-            </a:r>
-          </a:p>
-          <a:p>
-            <a:pPr lvl="1"/>
-            <a:r>
-              <a:rPr/>
-              <a:t>list item 1</a:t>
-            </a:r>
-          </a:p>
-          <a:p>
-            <a:pPr lvl="1"/>
-            <a:r>
-              <a:rPr/>
-              <a:t>list item 2</a:t>
-            </a:r>
-          </a:p>
-        </p:txBody>
-      </p:sp>
-    </p:spTree>
-  </p:cSld>
-</p:sld>
-</file>
-
-<file path=ppt/slides/slide6.xml><?xml version="1.0" encoding="utf-8"?>
-<p:sld xmlns:a="http://schemas.openxmlformats.org/drawingml/2006/main" xmlns:r="http://schemas.openxmlformats.org/officeDocument/2006/relationships" xmlns:p="http://schemas.openxmlformats.org/presentationml/2006/main">
-  <p:cSld>
-    <p:spTree>
-      <p:nvGrpSpPr>
-        <p:cNvPr id="1" name=""/>
-        <p:cNvGrpSpPr/>
-        <p:nvPr/>
-      </p:nvGrpSpPr>
-      <p:grpSpPr>
-        <a:xfrm>
-          <a:off x="0" y="0"/>
-          <a:ext cx="0" cy="0"/>
-          <a:chOff x="0" y="0"/>
-          <a:chExt cx="0" cy="0"/>
-        </a:xfrm>
-      </p:grpSpPr>
-      <p:sp>
-        <p:nvSpPr>
-          <p:cNvPr id="2" name="Title 1"/>
-          <p:cNvSpPr>
-            <a:spLocks noGrp="1"/>
-          </p:cNvSpPr>
-          <p:nvPr>
-            <p:ph type="title"/>
-          </p:nvPr>
-        </p:nvSpPr>
-        <p:spPr/>
-        <p:txBody>
-          <a:bodyPr/>
-          <a:lstStyle/>
-          <a:p>
-            <a:pPr lvl="0" marL="0" indent="0">
-              <a:buNone/>
-            </a:pPr>
-            <a:r>
-              <a:rPr/>
-              <a:t>Code</a:t>
-            </a:r>
-            <a:r>
-              <a:rPr/>
-              <a:t> </a:t>
-            </a:r>
-            <a:r>
-              <a:rPr/>
-              <a:t>here</a:t>
-            </a:r>
-          </a:p>
-        </p:txBody>
-      </p:sp>
-      <p:sp>
-        <p:nvSpPr>
-          <p:cNvPr id="3" name="Content Placeholder 2"/>
-          <p:cNvSpPr>
-            <a:spLocks noGrp="1"/>
-          </p:cNvSpPr>
-          <p:nvPr>
-            <p:ph idx="1"/>
-          </p:nvPr>
-        </p:nvSpPr>
-        <p:spPr/>
-        <p:txBody>
-          <a:bodyPr/>
-          <a:lstStyle/>
-          <a:p>
-            <a:pPr lvl="0" indent="0">
-              <a:buNone/>
-            </a:pPr>
-            <a:br/>
-            <a:r>
-              <a:rPr i="1">
-                <a:solidFill>
-                  <a:srgbClr val="60A0B0"/>
-                </a:solidFill>
-                <a:latin typeface="Courier"/>
-              </a:rPr>
-              <a:t>// This is javascript code</a:t>
-            </a:r>
-            <a:br/>
-            <a:br/>
-            <a:r>
-              <a:rPr>
-                <a:latin typeface="Courier"/>
-              </a:rPr>
-              <a:t>console</a:t>
-            </a:r>
-            <a:r>
-              <a:rPr>
-                <a:solidFill>
-                  <a:srgbClr val="666666"/>
-                </a:solidFill>
-                <a:latin typeface="Courier"/>
-              </a:rPr>
-              <a:t>.</a:t>
-            </a:r>
-            <a:r>
-              <a:rPr>
-                <a:solidFill>
-                  <a:srgbClr val="06287E"/>
-                </a:solidFill>
-                <a:latin typeface="Courier"/>
-              </a:rPr>
-              <a:t>log</a:t>
-            </a:r>
-            <a:r>
-              <a:rPr>
-                <a:latin typeface="Courier"/>
-              </a:rPr>
-              <a:t>(</a:t>
-            </a:r>
-            <a:r>
-              <a:rPr>
-                <a:solidFill>
-                  <a:srgbClr val="4070A0"/>
-                </a:solidFill>
-                <a:latin typeface="Courier"/>
-              </a:rPr>
-              <a:t>`${</a:t>
-            </a:r>
-            <a:r>
-              <a:rPr>
-                <a:latin typeface="Courier"/>
-              </a:rPr>
-              <a:t>name</a:t>
-            </a:r>
-            <a:r>
-              <a:rPr>
-                <a:solidFill>
-                  <a:srgbClr val="4070A0"/>
-                </a:solidFill>
-                <a:latin typeface="Courier"/>
-              </a:rPr>
-              <a:t>} was here`</a:t>
-            </a:r>
-            <a:r>
-              <a:rPr>
-                <a:latin typeface="Courier"/>
-              </a:rPr>
-              <a:t>)</a:t>
-            </a:r>
-            <a:r>
-              <a:rPr>
-                <a:solidFill>
-                  <a:srgbClr val="666666"/>
-                </a:solidFill>
-                <a:latin typeface="Courier"/>
-              </a:rPr>
-              <a:t>;</a:t>
-            </a:r>
-          </a:p>
-        </p:txBody>
-      </p:sp>
-    </p:spTree>
-  </p:cSld>
-</p:sld>
-</file>
-
-<file path=ppt/slides/slide7.xml><?xml version="1.0" encoding="utf-8"?>
-<p:sld xmlns:a="http://schemas.openxmlformats.org/drawingml/2006/main" xmlns:r="http://schemas.openxmlformats.org/officeDocument/2006/relationships" xmlns:p="http://schemas.openxmlformats.org/presentationml/2006/main">
-  <p:cSld>
-    <p:spTree>
-      <p:nvGrpSpPr>
-        <p:cNvPr id="1" name=""/>
-        <p:cNvGrpSpPr/>
-        <p:nvPr/>
-      </p:nvGrpSpPr>
-      <p:grpSpPr>
-        <a:xfrm>
-          <a:off x="0" y="0"/>
-          <a:ext cx="0" cy="0"/>
-          <a:chOff x="0" y="0"/>
-          <a:chExt cx="0" cy="0"/>
-        </a:xfrm>
-      </p:grpSpPr>
-      <p:sp>
-        <p:nvSpPr>
-          <p:cNvPr id="2" name="Title 1"/>
-          <p:cNvSpPr>
-            <a:spLocks noGrp="1"/>
-          </p:cNvSpPr>
-          <p:nvPr>
-            <p:ph type="title"/>
-          </p:nvPr>
-        </p:nvSpPr>
-        <p:spPr/>
-        <p:txBody>
-          <a:bodyPr/>
-          <a:lstStyle/>
-          <a:p>
-            <a:pPr lvl="0" marL="0" indent="0">
-              <a:buNone/>
-            </a:pPr>
-            <a:r>
-              <a:rPr/>
-              <a:t>Another</a:t>
-            </a:r>
-            <a:r>
-              <a:rPr/>
-              <a:t> </a:t>
-            </a:r>
-            <a:r>
-              <a:rPr/>
-              <a:t>Slide</a:t>
-            </a:r>
-          </a:p>
-        </p:txBody>
-      </p:sp>
-      <p:sp>
-        <p:nvSpPr>
-          <p:cNvPr id="3" name="Content Placeholder 2"/>
-          <p:cNvSpPr>
-            <a:spLocks noGrp="1"/>
-          </p:cNvSpPr>
-          <p:nvPr>
-            <p:ph idx="1"/>
-          </p:nvPr>
-        </p:nvSpPr>
-        <p:spPr/>
-        <p:txBody>
-          <a:bodyPr/>
-          <a:lstStyle/>
-          <a:p>
-            <a:pPr lvl="1"/>
-            <a:r>
-              <a:rPr/>
-              <a:t>I don’t think this should work???</a:t>
-            </a:r>
-          </a:p>
-          <a:p>
-            <a:pPr lvl="1"/>
-            <a:r>
-              <a:rPr/>
-              <a:t>lets see</a:t>
+              <a:t>Note: See chapter 3 and 4 from the text</a:t>
             </a:r>
           </a:p>
         </p:txBody>
@@ -4868,265 +3586,4 @@
   </a:objectDefaults>
   <a:extraClrSchemeLst/>
 </a:theme>
-</file>
-
-<file path=ppt/theme/theme2.xml><?xml version="1.0" encoding="utf-8"?>
-<a:theme xmlns:a="http://schemas.openxmlformats.org/drawingml/2006/main" name="Office Theme">
-  <a:themeElements>
-    <a:clrScheme name="Office">
-      <a:dk1>
-        <a:sysClr val="windowText" lastClr="000000"/>
-      </a:dk1>
-      <a:lt1>
-        <a:sysClr val="window" lastClr="FFFFFF"/>
-      </a:lt1>
-      <a:dk2>
-        <a:srgbClr val="44546A"/>
-      </a:dk2>
-      <a:lt2>
-        <a:srgbClr val="E7E6E6"/>
-      </a:lt2>
-      <a:accent1>
-        <a:srgbClr val="5B9BD5"/>
-      </a:accent1>
-      <a:accent2>
-        <a:srgbClr val="ED7D31"/>
-      </a:accent2>
-      <a:accent3>
-        <a:srgbClr val="A5A5A5"/>
-      </a:accent3>
-      <a:accent4>
-        <a:srgbClr val="FFC000"/>
-      </a:accent4>
-      <a:accent5>
-        <a:srgbClr val="4472C4"/>
-      </a:accent5>
-      <a:accent6>
-        <a:srgbClr val="70AD47"/>
-      </a:accent6>
-      <a:hlink>
-        <a:srgbClr val="0563C1"/>
-      </a:hlink>
-      <a:folHlink>
-        <a:srgbClr val="954F72"/>
-      </a:folHlink>
-    </a:clrScheme>
-    <a:fontScheme name="Office">
-      <a:majorFont>
-        <a:latin typeface="Calibri Light" panose="020F0302020204030204"/>
-        <a:ea typeface=""/>
-        <a:cs typeface=""/>
-        <a:font script="Jpan" typeface="ＭＳ Ｐゴシック"/>
-        <a:font script="Hang" typeface="맑은 고딕"/>
-        <a:font script="Hans" typeface="宋体"/>
-        <a:font script="Hant" typeface="新細明體"/>
-        <a:font script="Arab" typeface="Times New Roman"/>
-        <a:font script="Hebr" typeface="Times New Roman"/>
-        <a:font script="Thai" typeface="Angsana New"/>
-        <a:font script="Ethi" typeface="Nyala"/>
-        <a:font script="Beng" typeface="Vrinda"/>
-        <a:font script="Gujr" typeface="Shruti"/>
-        <a:font script="Khmr" typeface="MoolBoran"/>
-        <a:font script="Knda" typeface="Tunga"/>
-        <a:font script="Guru" typeface="Raavi"/>
-        <a:font script="Cans" typeface="Euphemia"/>
-        <a:font script="Cher" typeface="Plantagenet Cherokee"/>
-        <a:font script="Yiii" typeface="Microsoft Yi Baiti"/>
-        <a:font script="Tibt" typeface="Microsoft Himalaya"/>
-        <a:font script="Thaa" typeface="MV Boli"/>
-        <a:font script="Deva" typeface="Mangal"/>
-        <a:font script="Telu" typeface="Gautami"/>
-        <a:font script="Taml" typeface="Latha"/>
-        <a:font script="Syrc" typeface="Estrangelo Edessa"/>
-        <a:font script="Orya" typeface="Kalinga"/>
-        <a:font script="Mlym" typeface="Kartika"/>
-        <a:font script="Laoo" typeface="DokChampa"/>
-        <a:font script="Sinh" typeface="Iskoola Pota"/>
-        <a:font script="Mong" typeface="Mongolian Baiti"/>
-        <a:font script="Viet" typeface="Times New Roman"/>
-        <a:font script="Uigh" typeface="Microsoft Uighur"/>
-        <a:font script="Geor" typeface="Sylfaen"/>
-      </a:majorFont>
-      <a:minorFont>
-        <a:latin typeface="Calibri" panose="020F0502020204030204"/>
-        <a:ea typeface=""/>
-        <a:cs typeface=""/>
-        <a:font script="Jpan" typeface="ＭＳ Ｐゴシック"/>
-        <a:font script="Hang" typeface="맑은 고딕"/>
-        <a:font script="Hans" typeface="宋体"/>
-        <a:font script="Hant" typeface="新細明體"/>
-        <a:font script="Arab" typeface="Arial"/>
-        <a:font script="Hebr" typeface="Arial"/>
-        <a:font script="Thai" typeface="Cordia New"/>
-        <a:font script="Ethi" typeface="Nyala"/>
-        <a:font script="Beng" typeface="Vrinda"/>
-        <a:font script="Gujr" typeface="Shruti"/>
-        <a:font script="Khmr" typeface="DaunPenh"/>
-        <a:font script="Knda" typeface="Tunga"/>
-        <a:font script="Guru" typeface="Raavi"/>
-        <a:font script="Cans" typeface="Euphemia"/>
-        <a:font script="Cher" typeface="Plantagenet Cherokee"/>
-        <a:font script="Yiii" typeface="Microsoft Yi Baiti"/>
-        <a:font script="Tibt" typeface="Microsoft Himalaya"/>
-        <a:font script="Thaa" typeface="MV Boli"/>
-        <a:font script="Deva" typeface="Mangal"/>
-        <a:font script="Telu" typeface="Gautami"/>
-        <a:font script="Taml" typeface="Latha"/>
-        <a:font script="Syrc" typeface="Estrangelo Edessa"/>
-        <a:font script="Orya" typeface="Kalinga"/>
-        <a:font script="Mlym" typeface="Kartika"/>
-        <a:font script="Laoo" typeface="DokChampa"/>
-        <a:font script="Sinh" typeface="Iskoola Pota"/>
-        <a:font script="Mong" typeface="Mongolian Baiti"/>
-        <a:font script="Viet" typeface="Arial"/>
-        <a:font script="Uigh" typeface="Microsoft Uighur"/>
-        <a:font script="Geor" typeface="Sylfaen"/>
-      </a:minorFont>
-    </a:fontScheme>
-    <a:fmtScheme name="Office">
-      <a:fillStyleLst>
-        <a:solidFill>
-          <a:schemeClr val="phClr"/>
-        </a:solidFill>
-        <a:gradFill rotWithShape="1">
-          <a:gsLst>
-            <a:gs pos="0">
-              <a:schemeClr val="phClr">
-                <a:lumMod val="110000"/>
-                <a:satMod val="105000"/>
-                <a:tint val="67000"/>
-              </a:schemeClr>
-            </a:gs>
-            <a:gs pos="50000">
-              <a:schemeClr val="phClr">
-                <a:lumMod val="105000"/>
-                <a:satMod val="103000"/>
-                <a:tint val="73000"/>
-              </a:schemeClr>
-            </a:gs>
-            <a:gs pos="100000">
-              <a:schemeClr val="phClr">
-                <a:lumMod val="105000"/>
-                <a:satMod val="109000"/>
-                <a:tint val="81000"/>
-              </a:schemeClr>
-            </a:gs>
-          </a:gsLst>
-          <a:lin ang="5400000" scaled="0"/>
-        </a:gradFill>
-        <a:gradFill rotWithShape="1">
-          <a:gsLst>
-            <a:gs pos="0">
-              <a:schemeClr val="phClr">
-                <a:satMod val="103000"/>
-                <a:lumMod val="102000"/>
-                <a:tint val="94000"/>
-              </a:schemeClr>
-            </a:gs>
-            <a:gs pos="50000">
-              <a:schemeClr val="phClr">
-                <a:satMod val="110000"/>
-                <a:lumMod val="100000"/>
-                <a:shade val="100000"/>
-              </a:schemeClr>
-            </a:gs>
-            <a:gs pos="100000">
-              <a:schemeClr val="phClr">
-                <a:lumMod val="99000"/>
-                <a:satMod val="120000"/>
-                <a:shade val="78000"/>
-              </a:schemeClr>
-            </a:gs>
-          </a:gsLst>
-          <a:lin ang="5400000" scaled="0"/>
-        </a:gradFill>
-      </a:fillStyleLst>
-      <a:lnStyleLst>
-        <a:ln w="6350" cap="flat" cmpd="sng" algn="ctr">
-          <a:solidFill>
-            <a:schemeClr val="phClr"/>
-          </a:solidFill>
-          <a:prstDash val="solid"/>
-          <a:miter lim="800000"/>
-        </a:ln>
-        <a:ln w="12700" cap="flat" cmpd="sng" algn="ctr">
-          <a:solidFill>
-            <a:schemeClr val="phClr"/>
-          </a:solidFill>
-          <a:prstDash val="solid"/>
-          <a:miter lim="800000"/>
-        </a:ln>
-        <a:ln w="19050" cap="flat" cmpd="sng" algn="ctr">
-          <a:solidFill>
-            <a:schemeClr val="phClr"/>
-          </a:solidFill>
-          <a:prstDash val="solid"/>
-          <a:miter lim="800000"/>
-        </a:ln>
-      </a:lnStyleLst>
-      <a:effectStyleLst>
-        <a:effectStyle>
-          <a:effectLst/>
-        </a:effectStyle>
-        <a:effectStyle>
-          <a:effectLst/>
-        </a:effectStyle>
-        <a:effectStyle>
-          <a:effectLst>
-            <a:outerShdw blurRad="57150" dist="19050" dir="5400000" algn="ctr" rotWithShape="0">
-              <a:srgbClr val="000000">
-                <a:alpha val="63000"/>
-              </a:srgbClr>
-            </a:outerShdw>
-          </a:effectLst>
-        </a:effectStyle>
-      </a:effectStyleLst>
-      <a:bgFillStyleLst>
-        <a:solidFill>
-          <a:schemeClr val="phClr"/>
-        </a:solidFill>
-        <a:solidFill>
-          <a:schemeClr val="phClr">
-            <a:tint val="95000"/>
-            <a:satMod val="170000"/>
-          </a:schemeClr>
-        </a:solidFill>
-        <a:gradFill rotWithShape="1">
-          <a:gsLst>
-            <a:gs pos="0">
-              <a:schemeClr val="phClr">
-                <a:tint val="93000"/>
-                <a:satMod val="150000"/>
-                <a:shade val="98000"/>
-                <a:lumMod val="102000"/>
-              </a:schemeClr>
-            </a:gs>
-            <a:gs pos="50000">
-              <a:schemeClr val="phClr">
-                <a:tint val="98000"/>
-                <a:satMod val="130000"/>
-                <a:shade val="90000"/>
-                <a:lumMod val="103000"/>
-              </a:schemeClr>
-            </a:gs>
-            <a:gs pos="100000">
-              <a:schemeClr val="phClr">
-                <a:shade val="63000"/>
-                <a:satMod val="120000"/>
-              </a:schemeClr>
-            </a:gs>
-          </a:gsLst>
-          <a:lin ang="5400000" scaled="0"/>
-        </a:gradFill>
-      </a:bgFillStyleLst>
-    </a:fmtScheme>
-  </a:themeElements>
-  <a:objectDefaults/>
-  <a:extraClrSchemeLst/>
-  <a:extLst>
-    <a:ext uri="{05A4C25C-085E-4340-85A3-A5531E510DB2}">
-      <thm15:themeFamily xmlns:thm15="http://schemas.microsoft.com/office/thememl/2012/main" name="Office Theme" id="{62F939B6-93AF-4DB8-9C6B-D6C7DFDC589F}" vid="{4A3C46E8-61CC-4603-A589-7422A47A8E4A}"/>
-    </a:ext>
-  </a:extLst>
-</a:theme>
 </file>
--- a/telemetry/slides.pptx
+++ b/telemetry/slides.pptx
@@ -7,6 +7,10 @@
   <p:sldIdLst>
     <p:sldId id="256" r:id="rId2"/>
     <p:sldId id="257" r:id="rId3"/>
+    <p:sldId id="258" r:id="rId4"/>
+    <p:sldId id="259" r:id="rId5"/>
+    <p:sldId id="260" r:id="rId6"/>
+    <p:sldId id="261" r:id="rId7"/>
   </p:sldIdLst>
   <p:sldSz cx="9144000" cy="6858000" type="screen4x3"/>
   <p:notesSz cx="6858000" cy="9144000"/>
@@ -3235,14 +3239,21 @@
             <a:pPr lvl="1"/>
             <a:r>
               <a:rPr/>
-              <a:t>Introduce the Challenge/Activity</a:t>
+              <a:t>Review observability Challenge/Activity</a:t>
             </a:r>
           </a:p>
           <a:p>
             <a:pPr lvl="1"/>
             <a:r>
               <a:rPr/>
-              <a:t>Theory to support learning outcomes and the Activity</a:t>
+              <a:t>Introduce the Challenge/Activity for telemetry</a:t>
+            </a:r>
+          </a:p>
+          <a:p>
+            <a:pPr lvl="1"/>
+            <a:r>
+              <a:rPr/>
+              <a:t>Theory to support telemetry learning outcomes and activity</a:t>
             </a:r>
           </a:p>
           <a:p>
@@ -3259,6 +3270,482 @@
             <a:r>
               <a:rPr/>
               <a:t>Note: See chapter 3 and 4 from the text</a:t>
+            </a:r>
+          </a:p>
+        </p:txBody>
+      </p:sp>
+    </p:spTree>
+  </p:cSld>
+</p:sld>
+</file>
+
+<file path=ppt/slides/slide3.xml><?xml version="1.0" encoding="utf-8"?>
+<p:sld xmlns:a="http://schemas.openxmlformats.org/drawingml/2006/main" xmlns:r="http://schemas.openxmlformats.org/officeDocument/2006/relationships" xmlns:p="http://schemas.openxmlformats.org/presentationml/2006/main">
+  <p:cSld>
+    <p:spTree>
+      <p:nvGrpSpPr>
+        <p:cNvPr id="1" name=""/>
+        <p:cNvGrpSpPr/>
+        <p:nvPr/>
+      </p:nvGrpSpPr>
+      <p:grpSpPr>
+        <a:xfrm>
+          <a:off x="0" y="0"/>
+          <a:ext cx="0" cy="0"/>
+          <a:chOff x="0" y="0"/>
+          <a:chExt cx="0" cy="0"/>
+        </a:xfrm>
+      </p:grpSpPr>
+      <p:sp>
+        <p:nvSpPr>
+          <p:cNvPr id="2" name="Title 1"/>
+          <p:cNvSpPr>
+            <a:spLocks noGrp="1"/>
+          </p:cNvSpPr>
+          <p:nvPr>
+            <p:ph type="title"/>
+          </p:nvPr>
+        </p:nvSpPr>
+        <p:spPr/>
+        <p:txBody>
+          <a:bodyPr/>
+          <a:lstStyle/>
+          <a:p>
+            <a:pPr lvl="0" marL="0" indent="0">
+              <a:buNone/>
+            </a:pPr>
+            <a:r>
+              <a:rPr/>
+              <a:t>Observability</a:t>
+            </a:r>
+            <a:r>
+              <a:rPr/>
+              <a:t> </a:t>
+            </a:r>
+            <a:r>
+              <a:rPr/>
+              <a:t>(activity</a:t>
+            </a:r>
+            <a:r>
+              <a:rPr/>
+              <a:t> </a:t>
+            </a:r>
+            <a:r>
+              <a:rPr/>
+              <a:t>review)</a:t>
+            </a:r>
+          </a:p>
+        </p:txBody>
+      </p:sp>
+      <p:sp>
+        <p:nvSpPr>
+          <p:cNvPr id="3" name="Content Placeholder 2"/>
+          <p:cNvSpPr>
+            <a:spLocks noGrp="1"/>
+          </p:cNvSpPr>
+          <p:nvPr>
+            <p:ph idx="1"/>
+          </p:nvPr>
+        </p:nvSpPr>
+        <p:spPr/>
+        <p:txBody>
+          <a:bodyPr/>
+          <a:lstStyle/>
+          <a:p>
+            <a:pPr lvl="0" marL="0" indent="0">
+              <a:buNone/>
+            </a:pPr>
+            <a:r>
+              <a:rPr/>
+              <a:t>We installed the kubernetes dashboard. From their github:</a:t>
+            </a:r>
+          </a:p>
+          <a:p>
+            <a:pPr lvl="0" marL="1270000" indent="0">
+              <a:buNone/>
+            </a:pPr>
+            <a:r>
+              <a:rPr sz="2000"/>
+              <a:t>Kubernetes Dashboard is a general purpose, web-based UI for Kubernetes clusters. It allows users to manage applications running in the cluster and troubleshoot them, as well as manage the cluster itself.</a:t>
+            </a:r>
+          </a:p>
+          <a:p>
+            <a:pPr lvl="1"/>
+            <a:r>
+              <a:rPr/>
+              <a:t>essentially this was a “hello world” for a distributed system using kubernetes ansible and helm</a:t>
+            </a:r>
+          </a:p>
+          <a:p>
+            <a:pPr lvl="1"/>
+            <a:r>
+              <a:rPr/>
+              <a:t>a pod is the unit of deployment in our case … see the next slides</a:t>
+            </a:r>
+          </a:p>
+        </p:txBody>
+      </p:sp>
+    </p:spTree>
+  </p:cSld>
+</p:sld>
+</file>
+
+<file path=ppt/slides/slide4.xml><?xml version="1.0" encoding="utf-8"?>
+<p:sld xmlns:a="http://schemas.openxmlformats.org/drawingml/2006/main" xmlns:r="http://schemas.openxmlformats.org/officeDocument/2006/relationships" xmlns:p="http://schemas.openxmlformats.org/presentationml/2006/main">
+  <p:cSld>
+    <p:spTree>
+      <p:nvGrpSpPr>
+        <p:cNvPr id="1" name=""/>
+        <p:cNvGrpSpPr/>
+        <p:nvPr/>
+      </p:nvGrpSpPr>
+      <p:grpSpPr>
+        <a:xfrm>
+          <a:off x="0" y="0"/>
+          <a:ext cx="0" cy="0"/>
+          <a:chOff x="0" y="0"/>
+          <a:chExt cx="0" cy="0"/>
+        </a:xfrm>
+      </p:grpSpPr>
+      <p:sp>
+        <p:nvSpPr>
+          <p:cNvPr id="2" name="Title 1"/>
+          <p:cNvSpPr>
+            <a:spLocks noGrp="1"/>
+          </p:cNvSpPr>
+          <p:nvPr>
+            <p:ph type="title"/>
+          </p:nvPr>
+        </p:nvSpPr>
+        <p:spPr/>
+        <p:txBody>
+          <a:bodyPr/>
+          <a:lstStyle/>
+          <a:p>
+            <a:pPr lvl="0" marL="0" indent="0">
+              <a:buNone/>
+            </a:pPr>
+            <a:r>
+              <a:rPr/>
+              <a:t>Kubernetes</a:t>
+            </a:r>
+            <a:r>
+              <a:rPr/>
+              <a:t> </a:t>
+            </a:r>
+            <a:r>
+              <a:rPr/>
+              <a:t>dashboard</a:t>
+            </a:r>
+          </a:p>
+        </p:txBody>
+      </p:sp>
+      <p:pic>
+        <p:nvPicPr>
+          <p:cNvPr descr="images/kubernetesdashboard.png" id="0" name="Picture 1"/>
+          <p:cNvPicPr>
+            <a:picLocks noGrp="1" noChangeAspect="1"/>
+          </p:cNvPicPr>
+          <p:nvPr/>
+        </p:nvPicPr>
+        <p:blipFill>
+          <a:blip r:embed="rId2"/>
+          <a:stretch>
+            <a:fillRect/>
+          </a:stretch>
+        </p:blipFill>
+        <p:spPr bwMode="auto">
+          <a:xfrm>
+            <a:off x="863600" y="1600200"/>
+            <a:ext cx="7416800" cy="4013200"/>
+          </a:xfrm>
+          <a:prstGeom prst="rect">
+            <a:avLst/>
+          </a:prstGeom>
+          <a:noFill/>
+          <a:ln w="9525">
+            <a:noFill/>
+            <a:headEnd/>
+            <a:tailEnd/>
+          </a:ln>
+        </p:spPr>
+      </p:pic>
+      <p:sp>
+        <p:nvSpPr>
+          <p:cNvPr id="1" name="TextBox 3"/>
+          <p:cNvSpPr txBox="1"/>
+          <p:nvPr/>
+        </p:nvSpPr>
+        <p:spPr>
+          <a:xfrm>
+            <a:off x="457200" y="5613400"/>
+            <a:ext cx="8229600" cy="508000"/>
+          </a:xfrm>
+          <a:prstGeom prst="rect">
+            <a:avLst/>
+          </a:prstGeom>
+          <a:noFill/>
+        </p:spPr>
+        <p:txBody>
+          <a:bodyPr/>
+          <a:lstStyle/>
+          <a:p>
+            <a:pPr lvl="0" marL="0" indent="0" algn="ctr">
+              <a:buNone/>
+            </a:pPr>
+            <a:r>
+              <a:rPr/>
+              <a:t>kubernetes</a:t>
+            </a:r>
+            <a:r>
+              <a:rPr/>
+              <a:t> </a:t>
+            </a:r>
+            <a:r>
+              <a:rPr/>
+              <a:t>dashboard</a:t>
+            </a:r>
+          </a:p>
+        </p:txBody>
+      </p:sp>
+    </p:spTree>
+  </p:cSld>
+</p:sld>
+</file>
+
+<file path=ppt/slides/slide5.xml><?xml version="1.0" encoding="utf-8"?>
+<p:sld xmlns:a="http://schemas.openxmlformats.org/drawingml/2006/main" xmlns:r="http://schemas.openxmlformats.org/officeDocument/2006/relationships" xmlns:p="http://schemas.openxmlformats.org/presentationml/2006/main">
+  <p:cSld>
+    <p:spTree>
+      <p:nvGrpSpPr>
+        <p:cNvPr id="1" name=""/>
+        <p:cNvGrpSpPr/>
+        <p:nvPr/>
+      </p:nvGrpSpPr>
+      <p:grpSpPr>
+        <a:xfrm>
+          <a:off x="0" y="0"/>
+          <a:ext cx="0" cy="0"/>
+          <a:chOff x="0" y="0"/>
+          <a:chExt cx="0" cy="0"/>
+        </a:xfrm>
+      </p:grpSpPr>
+      <p:sp>
+        <p:nvSpPr>
+          <p:cNvPr id="2" name="Title 1"/>
+          <p:cNvSpPr>
+            <a:spLocks noGrp="1"/>
+          </p:cNvSpPr>
+          <p:nvPr>
+            <p:ph type="title"/>
+          </p:nvPr>
+        </p:nvSpPr>
+        <p:spPr/>
+        <p:txBody>
+          <a:bodyPr/>
+          <a:lstStyle/>
+          <a:p>
+            <a:pPr lvl="0" marL="0" indent="0">
+              <a:buNone/>
+            </a:pPr>
+            <a:r>
+              <a:rPr/>
+              <a:t>Deployment</a:t>
+            </a:r>
+            <a:r>
+              <a:rPr/>
+              <a:t> </a:t>
+            </a:r>
+            <a:r>
+              <a:rPr/>
+              <a:t>diagram</a:t>
+            </a:r>
+          </a:p>
+        </p:txBody>
+      </p:sp>
+      <p:pic>
+        <p:nvPicPr>
+          <p:cNvPr descr="images/local-k8s.png" id="0" name="Picture 1"/>
+          <p:cNvPicPr>
+            <a:picLocks noGrp="1" noChangeAspect="1"/>
+          </p:cNvPicPr>
+          <p:nvPr/>
+        </p:nvPicPr>
+        <p:blipFill>
+          <a:blip r:embed="rId2"/>
+          <a:stretch>
+            <a:fillRect/>
+          </a:stretch>
+        </p:blipFill>
+        <p:spPr bwMode="auto">
+          <a:xfrm>
+            <a:off x="1968500" y="1600200"/>
+            <a:ext cx="5194300" cy="4013200"/>
+          </a:xfrm>
+          <a:prstGeom prst="rect">
+            <a:avLst/>
+          </a:prstGeom>
+          <a:noFill/>
+          <a:ln w="9525">
+            <a:noFill/>
+            <a:headEnd/>
+            <a:tailEnd/>
+          </a:ln>
+        </p:spPr>
+      </p:pic>
+      <p:sp>
+        <p:nvSpPr>
+          <p:cNvPr id="1" name="TextBox 3"/>
+          <p:cNvSpPr txBox="1"/>
+          <p:nvPr/>
+        </p:nvSpPr>
+        <p:spPr>
+          <a:xfrm>
+            <a:off x="457200" y="5613400"/>
+            <a:ext cx="8229600" cy="508000"/>
+          </a:xfrm>
+          <a:prstGeom prst="rect">
+            <a:avLst/>
+          </a:prstGeom>
+          <a:noFill/>
+        </p:spPr>
+        <p:txBody>
+          <a:bodyPr/>
+          <a:lstStyle/>
+          <a:p>
+            <a:pPr lvl="0" marL="0" indent="0" algn="ctr">
+              <a:buNone/>
+            </a:pPr>
+            <a:r>
+              <a:rPr/>
+              <a:t>deployment</a:t>
+            </a:r>
+            <a:r>
+              <a:rPr/>
+              <a:t> </a:t>
+            </a:r>
+            <a:r>
+              <a:rPr/>
+              <a:t>diagram</a:t>
+            </a:r>
+          </a:p>
+        </p:txBody>
+      </p:sp>
+    </p:spTree>
+  </p:cSld>
+</p:sld>
+</file>
+
+<file path=ppt/slides/slide6.xml><?xml version="1.0" encoding="utf-8"?>
+<p:sld xmlns:a="http://schemas.openxmlformats.org/drawingml/2006/main" xmlns:r="http://schemas.openxmlformats.org/officeDocument/2006/relationships" xmlns:p="http://schemas.openxmlformats.org/presentationml/2006/main">
+  <p:cSld>
+    <p:spTree>
+      <p:nvGrpSpPr>
+        <p:cNvPr id="1" name=""/>
+        <p:cNvGrpSpPr/>
+        <p:nvPr/>
+      </p:nvGrpSpPr>
+      <p:grpSpPr>
+        <a:xfrm>
+          <a:off x="0" y="0"/>
+          <a:ext cx="0" cy="0"/>
+          <a:chOff x="0" y="0"/>
+          <a:chExt cx="0" cy="0"/>
+        </a:xfrm>
+      </p:grpSpPr>
+      <p:sp>
+        <p:nvSpPr>
+          <p:cNvPr id="2" name="Title 1"/>
+          <p:cNvSpPr>
+            <a:spLocks noGrp="1"/>
+          </p:cNvSpPr>
+          <p:nvPr>
+            <p:ph type="title"/>
+          </p:nvPr>
+        </p:nvSpPr>
+        <p:spPr/>
+        <p:txBody>
+          <a:bodyPr/>
+          <a:lstStyle/>
+          <a:p>
+            <a:pPr lvl="0" marL="0" indent="0">
+              <a:buNone/>
+            </a:pPr>
+            <a:r>
+              <a:rPr/>
+              <a:t>Telemetry</a:t>
+            </a:r>
+            <a:r>
+              <a:rPr/>
+              <a:t> </a:t>
+            </a:r>
+            <a:r>
+              <a:rPr/>
+              <a:t>Lab</a:t>
+            </a:r>
+          </a:p>
+        </p:txBody>
+      </p:sp>
+      <p:sp>
+        <p:nvSpPr>
+          <p:cNvPr id="3" name="Content Placeholder 2"/>
+          <p:cNvSpPr>
+            <a:spLocks noGrp="1"/>
+          </p:cNvSpPr>
+          <p:nvPr>
+            <p:ph idx="1"/>
+          </p:nvPr>
+        </p:nvSpPr>
+        <p:spPr/>
+        <p:txBody>
+          <a:bodyPr/>
+          <a:lstStyle/>
+          <a:p>
+            <a:pPr lvl="0" marL="0" indent="0">
+              <a:buNone/>
+            </a:pPr>
+            <a:r>
+              <a:rPr/>
+              <a:t>Create a codespace from the </a:t>
+            </a:r>
+            <a:r>
+              <a:rPr>
+                <a:hlinkClick r:id="rId2"/>
+              </a:rPr>
+              <a:t>github template</a:t>
+            </a:r>
+            <a:r>
+              <a:rPr/>
+              <a:t> and run:</a:t>
+            </a:r>
+          </a:p>
+          <a:p>
+            <a:pPr lvl="0" indent="0">
+              <a:buNone/>
+            </a:pPr>
+            <a:r>
+              <a:rPr>
+                <a:latin typeface="Courier"/>
+              </a:rPr>
+              <a:t>pip install -r requirements.txt
+ansible-playbook playbook.yml</a:t>
+            </a:r>
+          </a:p>
+          <a:p>
+            <a:pPr lvl="0" marL="0" indent="0">
+              <a:buNone/>
+            </a:pPr>
+            <a:r>
+              <a:rPr/>
+              <a:t>Follow instructions in chapter 4 of the text and make notes in README.md. Submit the README.md file with the uploader at the </a:t>
+            </a:r>
+            <a:r>
+              <a:rPr/>
+              <a:t>end of the presentation</a:t>
+            </a:r>
+            <a:r>
+              <a:rPr/>
+              <a:t>.</a:t>
             </a:r>
           </a:p>
         </p:txBody>

--- a/telemetry/slides.pptx
+++ b/telemetry/slides.pptx
@@ -11,6 +11,20 @@
     <p:sldId id="259" r:id="rId5"/>
     <p:sldId id="260" r:id="rId6"/>
     <p:sldId id="261" r:id="rId7"/>
+    <p:sldId id="262" r:id="rId8"/>
+    <p:sldId id="263" r:id="rId9"/>
+    <p:sldId id="264" r:id="rId10"/>
+    <p:sldId id="265" r:id="rId11"/>
+    <p:sldId id="266" r:id="rId12"/>
+    <p:sldId id="267" r:id="rId13"/>
+    <p:sldId id="268" r:id="rId14"/>
+    <p:sldId id="269" r:id="rId15"/>
+    <p:sldId id="270" r:id="rId16"/>
+    <p:sldId id="271" r:id="rId17"/>
+    <p:sldId id="272" r:id="rId18"/>
+    <p:sldId id="273" r:id="rId19"/>
+    <p:sldId id="274" r:id="rId20"/>
+    <p:sldId id="275" r:id="rId21"/>
   </p:sldIdLst>
   <p:sldSz cx="9144000" cy="6858000" type="screen4x3"/>
   <p:notesSz cx="6858000" cy="9144000"/>
@@ -3179,6 +3193,1285 @@
 </p:sld>
 </file>
 
+<file path=ppt/slides/slide10.xml><?xml version="1.0" encoding="utf-8"?>
+<p:sld xmlns:a="http://schemas.openxmlformats.org/drawingml/2006/main" xmlns:r="http://schemas.openxmlformats.org/officeDocument/2006/relationships" xmlns:p="http://schemas.openxmlformats.org/presentationml/2006/main">
+  <p:cSld>
+    <p:spTree>
+      <p:nvGrpSpPr>
+        <p:cNvPr id="1" name=""/>
+        <p:cNvGrpSpPr/>
+        <p:nvPr/>
+      </p:nvGrpSpPr>
+      <p:grpSpPr>
+        <a:xfrm>
+          <a:off x="0" y="0"/>
+          <a:ext cx="0" cy="0"/>
+          <a:chOff x="0" y="0"/>
+          <a:chExt cx="0" cy="0"/>
+        </a:xfrm>
+      </p:grpSpPr>
+      <p:sp>
+        <p:nvSpPr>
+          <p:cNvPr id="2" name="Title 1"/>
+          <p:cNvSpPr>
+            <a:spLocks noGrp="1"/>
+          </p:cNvSpPr>
+          <p:nvPr>
+            <p:ph type="title"/>
+          </p:nvPr>
+        </p:nvSpPr>
+        <p:spPr/>
+        <p:txBody>
+          <a:bodyPr/>
+          <a:lstStyle/>
+          <a:p>
+            <a:pPr lvl="0" marL="0" indent="0">
+              <a:buNone/>
+            </a:pPr>
+            <a:r>
+              <a:rPr/>
+              <a:t>computer</a:t>
+            </a:r>
+            <a:r>
+              <a:rPr/>
+              <a:t> </a:t>
+            </a:r>
+            <a:r>
+              <a:rPr/>
+              <a:t>telemetry</a:t>
+            </a:r>
+            <a:r>
+              <a:rPr/>
+              <a:t> </a:t>
+            </a:r>
+            <a:r>
+              <a:rPr/>
+              <a:t>on</a:t>
+            </a:r>
+            <a:r>
+              <a:rPr/>
+              <a:t> </a:t>
+            </a:r>
+            <a:r>
+              <a:rPr/>
+              <a:t>network</a:t>
+            </a:r>
+          </a:p>
+        </p:txBody>
+      </p:sp>
+      <p:sp>
+        <p:nvSpPr>
+          <p:cNvPr id="3" name="Content Placeholder 2"/>
+          <p:cNvSpPr>
+            <a:spLocks noGrp="1"/>
+          </p:cNvSpPr>
+          <p:nvPr>
+            <p:ph idx="1"/>
+          </p:nvPr>
+        </p:nvSpPr>
+        <p:spPr/>
+        <p:txBody>
+          <a:bodyPr/>
+          <a:lstStyle/>
+          <a:p>
+            <a:pPr lvl="1"/>
+            <a:r>
+              <a:rPr/>
+              <a:t>first logs … to tell you about individual events and moments within a system</a:t>
+            </a:r>
+          </a:p>
+          <a:p>
+            <a:pPr lvl="1"/>
+            <a:r>
+              <a:rPr/>
+              <a:t>metrics … to see how system performance changes over time</a:t>
+            </a:r>
+          </a:p>
+          <a:p>
+            <a:pPr lvl="1"/>
+            <a:r>
+              <a:rPr/>
+              <a:t>then tracing … look at entire operations and how they combined to form transactions</a:t>
+            </a:r>
+          </a:p>
+        </p:txBody>
+      </p:sp>
+    </p:spTree>
+  </p:cSld>
+</p:sld>
+</file>
+
+<file path=ppt/slides/slide11.xml><?xml version="1.0" encoding="utf-8"?>
+<p:sld xmlns:a="http://schemas.openxmlformats.org/drawingml/2006/main" xmlns:r="http://schemas.openxmlformats.org/officeDocument/2006/relationships" xmlns:p="http://schemas.openxmlformats.org/presentationml/2006/main">
+  <p:cSld>
+    <p:spTree>
+      <p:nvGrpSpPr>
+        <p:cNvPr id="1" name=""/>
+        <p:cNvGrpSpPr/>
+        <p:nvPr/>
+      </p:nvGrpSpPr>
+      <p:grpSpPr>
+        <a:xfrm>
+          <a:off x="0" y="0"/>
+          <a:ext cx="0" cy="0"/>
+          <a:chOff x="0" y="0"/>
+          <a:chExt cx="0" cy="0"/>
+        </a:xfrm>
+      </p:grpSpPr>
+      <p:sp>
+        <p:nvSpPr>
+          <p:cNvPr id="2" name="Title 1"/>
+          <p:cNvSpPr>
+            <a:spLocks noGrp="1"/>
+          </p:cNvSpPr>
+          <p:nvPr>
+            <p:ph type="title"/>
+          </p:nvPr>
+        </p:nvSpPr>
+        <p:spPr/>
+        <p:txBody>
+          <a:bodyPr/>
+          <a:lstStyle/>
+          <a:p>
+            <a:pPr lvl="0" marL="0" indent="0">
+              <a:buNone/>
+            </a:pPr>
+            <a:r>
+              <a:rPr/>
+              <a:t>SCADA</a:t>
+            </a:r>
+          </a:p>
+        </p:txBody>
+      </p:sp>
+      <p:pic>
+        <p:nvPicPr>
+          <p:cNvPr descr="images/Working_on_the_punch_list_for_tunnel_SCADA_control._The_SCADA_system_gives_LIRR_engineers_remote_control_of_all_of_the_power_facilities._06-27-19_(48146652996).jpg" id="0" name="Picture 1"/>
+          <p:cNvPicPr>
+            <a:picLocks noGrp="1" noChangeAspect="1"/>
+          </p:cNvPicPr>
+          <p:nvPr/>
+        </p:nvPicPr>
+        <p:blipFill>
+          <a:blip r:embed="rId2"/>
+          <a:stretch>
+            <a:fillRect/>
+          </a:stretch>
+        </p:blipFill>
+        <p:spPr bwMode="auto">
+          <a:xfrm>
+            <a:off x="1892300" y="1600200"/>
+            <a:ext cx="5346700" cy="4013200"/>
+          </a:xfrm>
+          <a:prstGeom prst="rect">
+            <a:avLst/>
+          </a:prstGeom>
+          <a:noFill/>
+          <a:ln w="9525">
+            <a:noFill/>
+            <a:headEnd/>
+            <a:tailEnd/>
+          </a:ln>
+        </p:spPr>
+      </p:pic>
+      <p:sp>
+        <p:nvSpPr>
+          <p:cNvPr id="1" name="TextBox 3"/>
+          <p:cNvSpPr txBox="1"/>
+          <p:nvPr/>
+        </p:nvSpPr>
+        <p:spPr>
+          <a:xfrm>
+            <a:off x="457200" y="5613400"/>
+            <a:ext cx="8229600" cy="508000"/>
+          </a:xfrm>
+          <a:prstGeom prst="rect">
+            <a:avLst/>
+          </a:prstGeom>
+          <a:noFill/>
+        </p:spPr>
+        <p:txBody>
+          <a:bodyPr/>
+          <a:lstStyle/>
+          <a:p>
+            <a:pPr lvl="0" marL="0" indent="0" algn="ctr">
+              <a:buNone/>
+            </a:pPr>
+            <a:r>
+              <a:rPr/>
+              <a:t>MTA</a:t>
+            </a:r>
+            <a:r>
+              <a:rPr/>
+              <a:t> </a:t>
+            </a:r>
+            <a:r>
+              <a:rPr/>
+              <a:t>Capital</a:t>
+            </a:r>
+            <a:r>
+              <a:rPr/>
+              <a:t> </a:t>
+            </a:r>
+            <a:r>
+              <a:rPr/>
+              <a:t>Construction</a:t>
+            </a:r>
+            <a:r>
+              <a:rPr/>
+              <a:t> </a:t>
+            </a:r>
+            <a:r>
+              <a:rPr/>
+              <a:t>Mega</a:t>
+            </a:r>
+            <a:r>
+              <a:rPr/>
+              <a:t> </a:t>
+            </a:r>
+            <a:r>
+              <a:rPr/>
+              <a:t>Projects,</a:t>
+            </a:r>
+            <a:r>
+              <a:rPr/>
+              <a:t> </a:t>
+            </a:r>
+            <a:r>
+              <a:rPr/>
+              <a:t>CC</a:t>
+            </a:r>
+            <a:r>
+              <a:rPr/>
+              <a:t> </a:t>
+            </a:r>
+            <a:r>
+              <a:rPr/>
+              <a:t>BY</a:t>
+            </a:r>
+            <a:r>
+              <a:rPr/>
+              <a:t> </a:t>
+            </a:r>
+            <a:r>
+              <a:rPr/>
+              <a:t>2.0</a:t>
+            </a:r>
+            <a:r>
+              <a:rPr/>
+              <a:t> </a:t>
+            </a:r>
+            <a:r>
+              <a:rPr>
+                <a:hlinkClick r:id="rId3"/>
+              </a:rPr>
+              <a:t>https://creativecommons.org/licenses/by/2.0</a:t>
+            </a:r>
+            <a:r>
+              <a:rPr/>
+              <a:t>,</a:t>
+            </a:r>
+            <a:r>
+              <a:rPr/>
+              <a:t> </a:t>
+            </a:r>
+            <a:r>
+              <a:rPr/>
+              <a:t>via</a:t>
+            </a:r>
+            <a:r>
+              <a:rPr/>
+              <a:t> </a:t>
+            </a:r>
+            <a:r>
+              <a:rPr/>
+              <a:t>Wikimedia</a:t>
+            </a:r>
+            <a:r>
+              <a:rPr/>
+              <a:t> </a:t>
+            </a:r>
+            <a:r>
+              <a:rPr/>
+              <a:t>Commons</a:t>
+            </a:r>
+          </a:p>
+        </p:txBody>
+      </p:sp>
+    </p:spTree>
+  </p:cSld>
+</p:sld>
+</file>
+
+<file path=ppt/slides/slide12.xml><?xml version="1.0" encoding="utf-8"?>
+<p:sld xmlns:a="http://schemas.openxmlformats.org/drawingml/2006/main" xmlns:r="http://schemas.openxmlformats.org/officeDocument/2006/relationships" xmlns:p="http://schemas.openxmlformats.org/presentationml/2006/main">
+  <p:cSld>
+    <p:spTree>
+      <p:nvGrpSpPr>
+        <p:cNvPr id="1" name=""/>
+        <p:cNvGrpSpPr/>
+        <p:nvPr/>
+      </p:nvGrpSpPr>
+      <p:grpSpPr>
+        <a:xfrm>
+          <a:off x="0" y="0"/>
+          <a:ext cx="0" cy="0"/>
+          <a:chOff x="0" y="0"/>
+          <a:chExt cx="0" cy="0"/>
+        </a:xfrm>
+      </p:grpSpPr>
+      <p:sp>
+        <p:nvSpPr>
+          <p:cNvPr id="2" name="Title 1"/>
+          <p:cNvSpPr>
+            <a:spLocks noGrp="1"/>
+          </p:cNvSpPr>
+          <p:nvPr>
+            <p:ph type="title"/>
+          </p:nvPr>
+        </p:nvSpPr>
+        <p:spPr/>
+        <p:txBody>
+          <a:bodyPr/>
+          <a:lstStyle/>
+          <a:p>
+            <a:pPr lvl="0" marL="0" indent="0">
+              <a:buNone/>
+            </a:pPr>
+            <a:r>
+              <a:rPr/>
+              <a:t>Uses</a:t>
+            </a:r>
+          </a:p>
+        </p:txBody>
+      </p:sp>
+      <p:sp>
+        <p:nvSpPr>
+          <p:cNvPr id="3" name="Content Placeholder 2"/>
+          <p:cNvSpPr>
+            <a:spLocks noGrp="1"/>
+          </p:cNvSpPr>
+          <p:nvPr>
+            <p:ph idx="1"/>
+          </p:nvPr>
+        </p:nvSpPr>
+        <p:spPr/>
+        <p:txBody>
+          <a:bodyPr/>
+          <a:lstStyle/>
+          <a:p>
+            <a:pPr lvl="1"/>
+            <a:r>
+              <a:rPr/>
+              <a:t>Industrial include manufacturing, process control, power generation, fabrication, and refining</a:t>
+            </a:r>
+          </a:p>
+          <a:p>
+            <a:pPr lvl="1"/>
+            <a:r>
+              <a:rPr/>
+              <a:t>Infrastructure … include water treatment and distribution, wastewater collection and treatment, oil and gas pipelines, electric power transmission, and wind farms.</a:t>
+            </a:r>
+          </a:p>
+          <a:p>
+            <a:pPr lvl="1"/>
+            <a:r>
+              <a:rPr/>
+              <a:t>Facility , including buildings, airports, ships, and space stations … monitor and control heating, ventilation, and air conditioning systems (HVAC), access, and energy consumption.</a:t>
+            </a:r>
+          </a:p>
+        </p:txBody>
+      </p:sp>
+    </p:spTree>
+  </p:cSld>
+</p:sld>
+</file>
+
+<file path=ppt/slides/slide13.xml><?xml version="1.0" encoding="utf-8"?>
+<p:sld xmlns:a="http://schemas.openxmlformats.org/drawingml/2006/main" xmlns:r="http://schemas.openxmlformats.org/officeDocument/2006/relationships" xmlns:p="http://schemas.openxmlformats.org/presentationml/2006/main">
+  <p:cSld>
+    <p:spTree>
+      <p:nvGrpSpPr>
+        <p:cNvPr id="1" name=""/>
+        <p:cNvGrpSpPr/>
+        <p:nvPr/>
+      </p:nvGrpSpPr>
+      <p:grpSpPr>
+        <a:xfrm>
+          <a:off x="0" y="0"/>
+          <a:ext cx="0" cy="0"/>
+          <a:chOff x="0" y="0"/>
+          <a:chExt cx="0" cy="0"/>
+        </a:xfrm>
+      </p:grpSpPr>
+      <p:sp>
+        <p:nvSpPr>
+          <p:cNvPr id="2" name="Title 1"/>
+          <p:cNvSpPr>
+            <a:spLocks noGrp="1"/>
+          </p:cNvSpPr>
+          <p:nvPr>
+            <p:ph type="title"/>
+          </p:nvPr>
+        </p:nvSpPr>
+        <p:spPr/>
+        <p:txBody>
+          <a:bodyPr/>
+          <a:lstStyle/>
+          <a:p>
+            <a:pPr lvl="0" marL="0" indent="0">
+              <a:buNone/>
+            </a:pPr>
+            <a:r>
+              <a:rPr/>
+              <a:t>SNMP</a:t>
+            </a:r>
+          </a:p>
+        </p:txBody>
+      </p:sp>
+      <p:pic>
+        <p:nvPicPr>
+          <p:cNvPr descr="images/Snmp-interaction_v1.1.png" id="0" name="Picture 1"/>
+          <p:cNvPicPr>
+            <a:picLocks noGrp="1" noChangeAspect="1"/>
+          </p:cNvPicPr>
+          <p:nvPr/>
+        </p:nvPicPr>
+        <p:blipFill>
+          <a:blip r:embed="rId2"/>
+          <a:stretch>
+            <a:fillRect/>
+          </a:stretch>
+        </p:blipFill>
+        <p:spPr bwMode="auto">
+          <a:xfrm>
+            <a:off x="1917700" y="1600200"/>
+            <a:ext cx="5308600" cy="4013200"/>
+          </a:xfrm>
+          <a:prstGeom prst="rect">
+            <a:avLst/>
+          </a:prstGeom>
+          <a:noFill/>
+          <a:ln w="9525">
+            <a:noFill/>
+            <a:headEnd/>
+            <a:tailEnd/>
+          </a:ln>
+        </p:spPr>
+      </p:pic>
+      <p:sp>
+        <p:nvSpPr>
+          <p:cNvPr id="1" name="TextBox 3"/>
+          <p:cNvSpPr txBox="1"/>
+          <p:nvPr/>
+        </p:nvSpPr>
+        <p:spPr>
+          <a:xfrm>
+            <a:off x="457200" y="5613400"/>
+            <a:ext cx="8229600" cy="508000"/>
+          </a:xfrm>
+          <a:prstGeom prst="rect">
+            <a:avLst/>
+          </a:prstGeom>
+          <a:noFill/>
+        </p:spPr>
+        <p:txBody>
+          <a:bodyPr/>
+          <a:lstStyle/>
+          <a:p>
+            <a:pPr lvl="0" marL="0" indent="0" algn="ctr">
+              <a:buNone/>
+            </a:pPr>
+            <a:r>
+              <a:rPr/>
+              <a:t>An.bellizzi,</a:t>
+            </a:r>
+            <a:r>
+              <a:rPr/>
+              <a:t> </a:t>
+            </a:r>
+            <a:r>
+              <a:rPr/>
+              <a:t>CC</a:t>
+            </a:r>
+            <a:r>
+              <a:rPr/>
+              <a:t> </a:t>
+            </a:r>
+            <a:r>
+              <a:rPr/>
+              <a:t>BY-SA</a:t>
+            </a:r>
+            <a:r>
+              <a:rPr/>
+              <a:t> </a:t>
+            </a:r>
+            <a:r>
+              <a:rPr/>
+              <a:t>4.0</a:t>
+            </a:r>
+            <a:r>
+              <a:rPr/>
+              <a:t> </a:t>
+            </a:r>
+            <a:r>
+              <a:rPr>
+                <a:hlinkClick r:id="rId3"/>
+              </a:rPr>
+              <a:t>https://creativecommons.org/licenses/by-sa/4.0</a:t>
+            </a:r>
+            <a:r>
+              <a:rPr/>
+              <a:t>,</a:t>
+            </a:r>
+            <a:r>
+              <a:rPr/>
+              <a:t> </a:t>
+            </a:r>
+            <a:r>
+              <a:rPr/>
+              <a:t>via</a:t>
+            </a:r>
+            <a:r>
+              <a:rPr/>
+              <a:t> </a:t>
+            </a:r>
+            <a:r>
+              <a:rPr/>
+              <a:t>Wikimedia</a:t>
+            </a:r>
+            <a:r>
+              <a:rPr/>
+              <a:t> </a:t>
+            </a:r>
+            <a:r>
+              <a:rPr/>
+              <a:t>Commons</a:t>
+            </a:r>
+          </a:p>
+        </p:txBody>
+      </p:sp>
+    </p:spTree>
+  </p:cSld>
+</p:sld>
+</file>
+
+<file path=ppt/slides/slide14.xml><?xml version="1.0" encoding="utf-8"?>
+<p:sld xmlns:a="http://schemas.openxmlformats.org/drawingml/2006/main" xmlns:r="http://schemas.openxmlformats.org/officeDocument/2006/relationships" xmlns:p="http://schemas.openxmlformats.org/presentationml/2006/main">
+  <p:cSld>
+    <p:spTree>
+      <p:nvGrpSpPr>
+        <p:cNvPr id="1" name=""/>
+        <p:cNvGrpSpPr/>
+        <p:nvPr/>
+      </p:nvGrpSpPr>
+      <p:grpSpPr>
+        <a:xfrm>
+          <a:off x="0" y="0"/>
+          <a:ext cx="0" cy="0"/>
+          <a:chOff x="0" y="0"/>
+          <a:chExt cx="0" cy="0"/>
+        </a:xfrm>
+      </p:grpSpPr>
+      <p:sp>
+        <p:nvSpPr>
+          <p:cNvPr id="2" name="Title 1"/>
+          <p:cNvSpPr>
+            <a:spLocks noGrp="1"/>
+          </p:cNvSpPr>
+          <p:nvPr>
+            <p:ph type="title"/>
+          </p:nvPr>
+        </p:nvSpPr>
+        <p:spPr/>
+        <p:txBody>
+          <a:bodyPr/>
+          <a:lstStyle/>
+          <a:p>
+            <a:pPr lvl="0" marL="0" indent="0">
+              <a:buNone/>
+            </a:pPr>
+            <a:r>
+              <a:rPr/>
+              <a:t>consists</a:t>
+            </a:r>
+            <a:r>
+              <a:rPr/>
+              <a:t> </a:t>
+            </a:r>
+            <a:r>
+              <a:rPr/>
+              <a:t>of</a:t>
+            </a:r>
+            <a:r>
+              <a:rPr/>
+              <a:t> </a:t>
+            </a:r>
+            <a:r>
+              <a:rPr/>
+              <a:t>three</a:t>
+            </a:r>
+            <a:r>
+              <a:rPr/>
+              <a:t> </a:t>
+            </a:r>
+            <a:r>
+              <a:rPr/>
+              <a:t>key</a:t>
+            </a:r>
+            <a:r>
+              <a:rPr/>
+              <a:t> </a:t>
+            </a:r>
+            <a:r>
+              <a:rPr/>
+              <a:t>components</a:t>
+            </a:r>
+          </a:p>
+        </p:txBody>
+      </p:sp>
+      <p:sp>
+        <p:nvSpPr>
+          <p:cNvPr id="3" name="Content Placeholder 2"/>
+          <p:cNvSpPr>
+            <a:spLocks noGrp="1"/>
+          </p:cNvSpPr>
+          <p:nvPr>
+            <p:ph idx="1"/>
+          </p:nvPr>
+        </p:nvSpPr>
+        <p:spPr/>
+        <p:txBody>
+          <a:bodyPr/>
+          <a:lstStyle/>
+          <a:p>
+            <a:pPr lvl="1"/>
+            <a:r>
+              <a:rPr/>
+              <a:t>Managed devices</a:t>
+            </a:r>
+          </a:p>
+          <a:p>
+            <a:pPr lvl="1"/>
+            <a:r>
+              <a:rPr/>
+              <a:t>Agent - software that runs on managed devices</a:t>
+            </a:r>
+          </a:p>
+          <a:p>
+            <a:pPr lvl="1"/>
+            <a:r>
+              <a:rPr/>
+              <a:t>Network management station (NMS) - software that runs on the manager</a:t>
+            </a:r>
+          </a:p>
+          <a:p>
+            <a:pPr lvl="0" marL="0" indent="0">
+              <a:spcBef>
+                <a:spcPts val="3000"/>
+              </a:spcBef>
+              <a:buNone/>
+            </a:pPr>
+            <a:r>
+              <a:rPr b="1"/>
+              <a:t>Uses</a:t>
+            </a:r>
+          </a:p>
+          <a:p>
+            <a:pPr lvl="1"/>
+            <a:r>
+              <a:rPr/>
+              <a:t>SNMP used by IT to monitor and update networked devices</a:t>
+            </a:r>
+          </a:p>
+          <a:p>
+            <a:pPr lvl="1"/>
+            <a:r>
+              <a:rPr/>
+              <a:t>SCADA used by operations to control processes</a:t>
+            </a:r>
+          </a:p>
+        </p:txBody>
+      </p:sp>
+    </p:spTree>
+  </p:cSld>
+</p:sld>
+</file>
+
+<file path=ppt/slides/slide15.xml><?xml version="1.0" encoding="utf-8"?>
+<p:sld xmlns:a="http://schemas.openxmlformats.org/drawingml/2006/main" xmlns:r="http://schemas.openxmlformats.org/officeDocument/2006/relationships" xmlns:p="http://schemas.openxmlformats.org/presentationml/2006/main">
+  <p:cSld>
+    <p:spTree>
+      <p:nvGrpSpPr>
+        <p:cNvPr id="1" name=""/>
+        <p:cNvGrpSpPr/>
+        <p:nvPr/>
+      </p:nvGrpSpPr>
+      <p:grpSpPr>
+        <a:xfrm>
+          <a:off x="0" y="0"/>
+          <a:ext cx="0" cy="0"/>
+          <a:chOff x="0" y="0"/>
+          <a:chExt cx="0" cy="0"/>
+        </a:xfrm>
+      </p:grpSpPr>
+      <p:sp>
+        <p:nvSpPr>
+          <p:cNvPr id="2" name="Title 1"/>
+          <p:cNvSpPr>
+            <a:spLocks noGrp="1"/>
+          </p:cNvSpPr>
+          <p:nvPr>
+            <p:ph type="title"/>
+          </p:nvPr>
+        </p:nvSpPr>
+        <p:spPr/>
+        <p:txBody>
+          <a:bodyPr/>
+          <a:lstStyle/>
+          <a:p>
+            <a:pPr lvl="0" marL="0" indent="0">
+              <a:buNone/>
+            </a:pPr>
+            <a:r>
+              <a:rPr/>
+              <a:t>Open</a:t>
+            </a:r>
+            <a:r>
+              <a:rPr/>
+              <a:t> </a:t>
+            </a:r>
+            <a:r>
+              <a:rPr/>
+              <a:t>Telemetry</a:t>
+            </a:r>
+          </a:p>
+        </p:txBody>
+      </p:sp>
+      <p:sp>
+        <p:nvSpPr>
+          <p:cNvPr id="3" name="Content Placeholder 2"/>
+          <p:cNvSpPr>
+            <a:spLocks noGrp="1"/>
+          </p:cNvSpPr>
+          <p:nvPr>
+            <p:ph idx="1"/>
+          </p:nvPr>
+        </p:nvSpPr>
+        <p:spPr/>
+        <p:txBody>
+          <a:bodyPr/>
+          <a:lstStyle/>
+          <a:p>
+            <a:pPr lvl="1"/>
+            <a:r>
+              <a:rPr/>
+              <a:t>used to monitor distributed software systems</a:t>
+            </a:r>
+          </a:p>
+          <a:p>
+            <a:pPr lvl="1"/>
+            <a:r>
+              <a:rPr/>
+              <a:t>similar to SCADA and SNMP in that it monitors and generates alerts</a:t>
+            </a:r>
+          </a:p>
+          <a:p>
+            <a:pPr lvl="1"/>
+            <a:r>
+              <a:rPr/>
+              <a:t>different in that it is read only, where SCADA and SNMP can also manipulate systems</a:t>
+            </a:r>
+          </a:p>
+          <a:p>
+            <a:pPr lvl="1"/>
+            <a:r>
+              <a:rPr/>
+              <a:t>tracing, look at entire operations as they span services</a:t>
+            </a:r>
+          </a:p>
+          <a:p>
+            <a:pPr lvl="1"/>
+            <a:r>
+              <a:rPr/>
+              <a:t>absence of auditable tracking in SCADA … opportunity for DevOps??????</a:t>
+            </a:r>
+          </a:p>
+        </p:txBody>
+      </p:sp>
+    </p:spTree>
+  </p:cSld>
+</p:sld>
+</file>
+
+<file path=ppt/slides/slide16.xml><?xml version="1.0" encoding="utf-8"?>
+<p:sld xmlns:a="http://schemas.openxmlformats.org/drawingml/2006/main" xmlns:r="http://schemas.openxmlformats.org/officeDocument/2006/relationships" xmlns:p="http://schemas.openxmlformats.org/presentationml/2006/main">
+  <p:cSld>
+    <p:spTree>
+      <p:nvGrpSpPr>
+        <p:cNvPr id="1" name=""/>
+        <p:cNvGrpSpPr/>
+        <p:nvPr/>
+      </p:nvGrpSpPr>
+      <p:grpSpPr>
+        <a:xfrm>
+          <a:off x="0" y="0"/>
+          <a:ext cx="0" cy="0"/>
+          <a:chOff x="0" y="0"/>
+          <a:chExt cx="0" cy="0"/>
+        </a:xfrm>
+      </p:grpSpPr>
+      <p:sp>
+        <p:nvSpPr>
+          <p:cNvPr id="2" name="Title 1"/>
+          <p:cNvSpPr>
+            <a:spLocks noGrp="1"/>
+          </p:cNvSpPr>
+          <p:nvPr>
+            <p:ph type="title"/>
+          </p:nvPr>
+        </p:nvSpPr>
+        <p:spPr/>
+        <p:txBody>
+          <a:bodyPr/>
+          <a:lstStyle/>
+          <a:p>
+            <a:pPr lvl="0" marL="0" indent="0">
+              <a:buNone/>
+            </a:pPr>
+            <a:r>
+              <a:rPr/>
+              <a:t>Time</a:t>
+            </a:r>
+            <a:r>
+              <a:rPr/>
+              <a:t> </a:t>
+            </a:r>
+            <a:r>
+              <a:rPr/>
+              <a:t>Series</a:t>
+            </a:r>
+            <a:r>
+              <a:rPr/>
+              <a:t> </a:t>
+            </a:r>
+            <a:r>
+              <a:rPr/>
+              <a:t>Database</a:t>
+            </a:r>
+            <a:r>
+              <a:rPr/>
+              <a:t> </a:t>
+            </a:r>
+            <a:r>
+              <a:rPr/>
+              <a:t>(TSDB)</a:t>
+            </a:r>
+            <a:r>
+              <a:rPr/>
+              <a:t> </a:t>
+            </a:r>
+            <a:r>
+              <a:rPr/>
+              <a:t>Storage</a:t>
+            </a:r>
+          </a:p>
+        </p:txBody>
+      </p:sp>
+      <p:sp>
+        <p:nvSpPr>
+          <p:cNvPr id="3" name="Content Placeholder 2"/>
+          <p:cNvSpPr>
+            <a:spLocks noGrp="1"/>
+          </p:cNvSpPr>
+          <p:nvPr>
+            <p:ph idx="1"/>
+          </p:nvPr>
+        </p:nvSpPr>
+        <p:spPr/>
+        <p:txBody>
+          <a:bodyPr/>
+          <a:lstStyle/>
+          <a:p>
+            <a:pPr lvl="1"/>
+            <a:r>
+              <a:rPr/>
+              <a:t>need to store enough history to meet stakeholder needs</a:t>
+            </a:r>
+          </a:p>
+          <a:p>
+            <a:pPr lvl="0" marL="1270000" indent="0">
+              <a:buNone/>
+            </a:pPr>
+            <a:r>
+              <a:rPr sz="2000"/>
+              <a:t>Thanos provides a global query view, high availability, data backup with historical, cheap data access as its core features in a single binary.</a:t>
+            </a:r>
+          </a:p>
+          <a:p>
+            <a:pPr lvl="1"/>
+            <a:r>
+              <a:rPr/>
+              <a:t>Thanos supports S3, GCS, Azure, OpenStack Swift, Tencent COS, AliYun OSS, Baidu BOS, Oracle Cloud Infrastructure Object Storage object stores</a:t>
+            </a:r>
+          </a:p>
+          <a:p>
+            <a:pPr lvl="1"/>
+            <a:r>
+              <a:rPr/>
+              <a:t>storage format is object based with a block defined by a prefix and a series of blobs</a:t>
+            </a:r>
+          </a:p>
+        </p:txBody>
+      </p:sp>
+    </p:spTree>
+  </p:cSld>
+</p:sld>
+</file>
+
+<file path=ppt/slides/slide17.xml><?xml version="1.0" encoding="utf-8"?>
+<p:sld xmlns:a="http://schemas.openxmlformats.org/drawingml/2006/main" xmlns:r="http://schemas.openxmlformats.org/officeDocument/2006/relationships" xmlns:p="http://schemas.openxmlformats.org/presentationml/2006/main">
+  <p:cSld>
+    <p:spTree>
+      <p:nvGrpSpPr>
+        <p:cNvPr id="1" name=""/>
+        <p:cNvGrpSpPr/>
+        <p:nvPr/>
+      </p:nvGrpSpPr>
+      <p:grpSpPr>
+        <a:xfrm>
+          <a:off x="0" y="0"/>
+          <a:ext cx="0" cy="0"/>
+          <a:chOff x="0" y="0"/>
+          <a:chExt cx="0" cy="0"/>
+        </a:xfrm>
+      </p:grpSpPr>
+      <p:sp>
+        <p:nvSpPr>
+          <p:cNvPr id="2" name="Title 1"/>
+          <p:cNvSpPr>
+            <a:spLocks noGrp="1"/>
+          </p:cNvSpPr>
+          <p:nvPr>
+            <p:ph type="title"/>
+          </p:nvPr>
+        </p:nvSpPr>
+        <p:spPr/>
+        <p:txBody>
+          <a:bodyPr/>
+          <a:lstStyle/>
+          <a:p>
+            <a:pPr lvl="0" marL="0" indent="0">
+              <a:buNone/>
+            </a:pPr>
+            <a:r>
+              <a:rPr/>
+              <a:t>Storage</a:t>
+            </a:r>
+            <a:r>
+              <a:rPr/>
+              <a:t> </a:t>
+            </a:r>
+            <a:r>
+              <a:rPr/>
+              <a:t>Configuration</a:t>
+            </a:r>
+          </a:p>
+        </p:txBody>
+      </p:sp>
+      <p:sp>
+        <p:nvSpPr>
+          <p:cNvPr id="3" name="Content Placeholder 2"/>
+          <p:cNvSpPr>
+            <a:spLocks noGrp="1"/>
+          </p:cNvSpPr>
+          <p:nvPr>
+            <p:ph idx="1"/>
+          </p:nvPr>
+        </p:nvSpPr>
+        <p:spPr/>
+        <p:txBody>
+          <a:bodyPr/>
+          <a:lstStyle/>
+          <a:p>
+            <a:pPr lvl="1"/>
+            <a:r>
+              <a:rPr/>
+              <a:t>focusing on Thanos, there is </a:t>
+            </a:r>
+            <a:r>
+              <a:rPr>
+                <a:hlinkClick r:id="rId2"/>
+              </a:rPr>
+              <a:t>documentation here</a:t>
+            </a:r>
+            <a:r>
+              <a:rPr/>
+              <a:t>.</a:t>
+            </a:r>
+          </a:p>
+          <a:p>
+            <a:pPr lvl="1"/>
+            <a:r>
+              <a:rPr/>
+              <a:t>the storage is controlled by the values.yaml file in the </a:t>
+            </a:r>
+            <a:r>
+              <a:rPr>
+                <a:hlinkClick r:id="rId3"/>
+              </a:rPr>
+              <a:t>helm chart</a:t>
+            </a:r>
+          </a:p>
+          <a:p>
+            <a:pPr lvl="1"/>
+            <a:r>
+              <a:rPr/>
+              <a:t>in open telemetry demo for today’s lab the </a:t>
+            </a:r>
+            <a:r>
+              <a:rPr>
+                <a:hlinkClick r:id="rId4"/>
+              </a:rPr>
+              <a:t>helm chart is here</a:t>
+            </a:r>
+            <a:r>
+              <a:rPr/>
+              <a:t>.</a:t>
+            </a:r>
+          </a:p>
+          <a:p>
+            <a:pPr lvl="1"/>
+            <a:r>
+              <a:rPr/>
+              <a:t>there is a lot to these values, but focus on the components (starting on line 47)</a:t>
+            </a:r>
+          </a:p>
+        </p:txBody>
+      </p:sp>
+    </p:spTree>
+  </p:cSld>
+</p:sld>
+</file>
+
+<file path=ppt/slides/slide18.xml><?xml version="1.0" encoding="utf-8"?>
+<p:sld xmlns:a="http://schemas.openxmlformats.org/drawingml/2006/main" xmlns:r="http://schemas.openxmlformats.org/officeDocument/2006/relationships" xmlns:p="http://schemas.openxmlformats.org/presentationml/2006/main">
+  <p:cSld>
+    <p:spTree>
+      <p:nvGrpSpPr>
+        <p:cNvPr id="1" name=""/>
+        <p:cNvGrpSpPr/>
+        <p:nvPr/>
+      </p:nvGrpSpPr>
+      <p:grpSpPr>
+        <a:xfrm>
+          <a:off x="0" y="0"/>
+          <a:ext cx="0" cy="0"/>
+          <a:chOff x="0" y="0"/>
+          <a:chExt cx="0" cy="0"/>
+        </a:xfrm>
+      </p:grpSpPr>
+      <p:sp>
+        <p:nvSpPr>
+          <p:cNvPr id="2" name="Title 1"/>
+          <p:cNvSpPr>
+            <a:spLocks noGrp="1"/>
+          </p:cNvSpPr>
+          <p:nvPr>
+            <p:ph type="title"/>
+          </p:nvPr>
+        </p:nvSpPr>
+        <p:spPr/>
+        <p:txBody>
+          <a:bodyPr/>
+          <a:lstStyle/>
+          <a:p>
+            <a:pPr lvl="0" marL="0" indent="0">
+              <a:buNone/>
+            </a:pPr>
+            <a:r>
+              <a:rPr/>
+              <a:t>Otel</a:t>
+            </a:r>
+            <a:r>
+              <a:rPr/>
+              <a:t> </a:t>
+            </a:r>
+            <a:r>
+              <a:rPr/>
+              <a:t>collectors</a:t>
+            </a:r>
+          </a:p>
+        </p:txBody>
+      </p:sp>
+      <p:sp>
+        <p:nvSpPr>
+          <p:cNvPr id="3" name="Content Placeholder 2"/>
+          <p:cNvSpPr>
+            <a:spLocks noGrp="1"/>
+          </p:cNvSpPr>
+          <p:nvPr>
+            <p:ph idx="1"/>
+          </p:nvPr>
+        </p:nvSpPr>
+        <p:spPr/>
+        <p:txBody>
+          <a:bodyPr/>
+          <a:lstStyle/>
+          <a:p>
+            <a:pPr lvl="1"/>
+            <a:r>
+              <a:rPr/>
+              <a:t>each component has an otel collector to make it observable</a:t>
+            </a:r>
+          </a:p>
+          <a:p>
+            <a:pPr lvl="1"/>
+            <a:r>
+              <a:rPr/>
+              <a:t>for instance the emailService has:</a:t>
+            </a:r>
+          </a:p>
+          <a:p>
+            <a:pPr lvl="0" indent="0">
+              <a:buNone/>
+            </a:pPr>
+            <a:r>
+              <a:rPr>
+                <a:latin typeface="Courier"/>
+              </a:rPr>
+              <a:t>      - name: OTEL_EXPORTER_OTLP_TRACES_ENDPOINT
+        value: http://$(OTEL_COLLECTOR_NAME):4318/v1/traces</a:t>
+            </a:r>
+          </a:p>
+          <a:p>
+            <a:pPr lvl="1"/>
+            <a:r>
+              <a:rPr/>
+              <a:t>many more examples to follow when we talk about instrumenting</a:t>
+            </a:r>
+          </a:p>
+        </p:txBody>
+      </p:sp>
+    </p:spTree>
+  </p:cSld>
+</p:sld>
+</file>
+
+<file path=ppt/slides/slide19.xml><?xml version="1.0" encoding="utf-8"?>
+<p:sld xmlns:a="http://schemas.openxmlformats.org/drawingml/2006/main" xmlns:r="http://schemas.openxmlformats.org/officeDocument/2006/relationships" xmlns:p="http://schemas.openxmlformats.org/presentationml/2006/main">
+  <p:cSld>
+    <p:spTree>
+      <p:nvGrpSpPr>
+        <p:cNvPr id="1" name=""/>
+        <p:cNvGrpSpPr/>
+        <p:nvPr/>
+      </p:nvGrpSpPr>
+      <p:grpSpPr>
+        <a:xfrm>
+          <a:off x="0" y="0"/>
+          <a:ext cx="0" cy="0"/>
+          <a:chOff x="0" y="0"/>
+          <a:chExt cx="0" cy="0"/>
+        </a:xfrm>
+      </p:grpSpPr>
+      <p:sp>
+        <p:nvSpPr>
+          <p:cNvPr id="2" name="Title 1"/>
+          <p:cNvSpPr>
+            <a:spLocks noGrp="1"/>
+          </p:cNvSpPr>
+          <p:nvPr>
+            <p:ph type="title"/>
+          </p:nvPr>
+        </p:nvSpPr>
+        <p:spPr/>
+        <p:txBody>
+          <a:bodyPr/>
+          <a:lstStyle/>
+          <a:p>
+            <a:pPr lvl="0" marL="0" indent="0">
+              <a:buNone/>
+            </a:pPr>
+            <a:r>
+              <a:rPr/>
+              <a:t>Manual</a:t>
+            </a:r>
+            <a:r>
+              <a:rPr/>
+              <a:t> </a:t>
+            </a:r>
+            <a:r>
+              <a:rPr/>
+              <a:t>testing</a:t>
+            </a:r>
+            <a:r>
+              <a:rPr/>
+              <a:t> </a:t>
+            </a:r>
+            <a:r>
+              <a:rPr/>
+              <a:t>for</a:t>
+            </a:r>
+            <a:r>
+              <a:rPr/>
+              <a:t> </a:t>
+            </a:r>
+            <a:r>
+              <a:rPr/>
+              <a:t>observability</a:t>
+            </a:r>
+          </a:p>
+        </p:txBody>
+      </p:sp>
+      <p:sp>
+        <p:nvSpPr>
+          <p:cNvPr id="3" name="Content Placeholder 2"/>
+          <p:cNvSpPr>
+            <a:spLocks noGrp="1"/>
+          </p:cNvSpPr>
+          <p:nvPr>
+            <p:ph idx="1"/>
+          </p:nvPr>
+        </p:nvSpPr>
+        <p:spPr/>
+        <p:txBody>
+          <a:bodyPr/>
+          <a:lstStyle/>
+          <a:p>
+            <a:pPr lvl="1"/>
+            <a:r>
+              <a:rPr/>
+              <a:t>the </a:t>
+            </a:r>
+            <a:r>
+              <a:rPr>
+                <a:hlinkClick r:id="rId2"/>
+              </a:rPr>
+              <a:t>lab</a:t>
+            </a:r>
+            <a:r>
+              <a:rPr/>
+              <a:t> uses feature flags, described in chapter 4, to manipulate the open telemetry demo</a:t>
+            </a:r>
+          </a:p>
+          <a:p>
+            <a:pPr lvl="1"/>
+            <a:r>
+              <a:rPr/>
+              <a:t>note your observations in the README file and submit it </a:t>
+            </a:r>
+            <a:r>
+              <a:rPr/>
+              <a:t>below</a:t>
+            </a:r>
+          </a:p>
+        </p:txBody>
+      </p:sp>
+    </p:spTree>
+  </p:cSld>
+</p:sld>
+</file>
+
 <file path=ppt/slides/slide2.xml><?xml version="1.0" encoding="utf-8"?>
 <p:sld xmlns:a="http://schemas.openxmlformats.org/drawingml/2006/main" xmlns:r="http://schemas.openxmlformats.org/officeDocument/2006/relationships" xmlns:p="http://schemas.openxmlformats.org/presentationml/2006/main">
   <p:cSld>
@@ -3270,6 +4563,99 @@
             <a:r>
               <a:rPr/>
               <a:t>Note: See chapter 3 and 4 from the text</a:t>
+            </a:r>
+          </a:p>
+        </p:txBody>
+      </p:sp>
+    </p:spTree>
+  </p:cSld>
+</p:sld>
+</file>
+
+<file path=ppt/slides/slide20.xml><?xml version="1.0" encoding="utf-8"?>
+<p:sld xmlns:a="http://schemas.openxmlformats.org/drawingml/2006/main" xmlns:r="http://schemas.openxmlformats.org/officeDocument/2006/relationships" xmlns:p="http://schemas.openxmlformats.org/presentationml/2006/main">
+  <p:cSld>
+    <p:spTree>
+      <p:nvGrpSpPr>
+        <p:cNvPr id="1" name=""/>
+        <p:cNvGrpSpPr/>
+        <p:nvPr/>
+      </p:nvGrpSpPr>
+      <p:grpSpPr>
+        <a:xfrm>
+          <a:off x="0" y="0"/>
+          <a:ext cx="0" cy="0"/>
+          <a:chOff x="0" y="0"/>
+          <a:chExt cx="0" cy="0"/>
+        </a:xfrm>
+      </p:grpSpPr>
+      <p:sp>
+        <p:nvSpPr>
+          <p:cNvPr id="2" name="Title 1"/>
+          <p:cNvSpPr>
+            <a:spLocks noGrp="1"/>
+          </p:cNvSpPr>
+          <p:nvPr>
+            <p:ph type="title"/>
+          </p:nvPr>
+        </p:nvSpPr>
+        <p:spPr/>
+        <p:txBody>
+          <a:bodyPr/>
+          <a:lstStyle/>
+          <a:p>
+            <a:pPr lvl="0" marL="0" indent="0">
+              <a:buNone/>
+            </a:pPr>
+            <a:r>
+              <a:rPr/>
+              <a:t>Telemetry</a:t>
+            </a:r>
+          </a:p>
+        </p:txBody>
+      </p:sp>
+      <p:sp>
+        <p:nvSpPr>
+          <p:cNvPr id="3" name="Content Placeholder 2"/>
+          <p:cNvSpPr>
+            <a:spLocks noGrp="1"/>
+          </p:cNvSpPr>
+          <p:nvPr>
+            <p:ph idx="1"/>
+          </p:nvPr>
+        </p:nvSpPr>
+        <p:spPr/>
+        <p:txBody>
+          <a:bodyPr/>
+          <a:lstStyle/>
+          <a:p>
+            <a:pPr lvl="0" marL="1270000" indent="0">
+              <a:buNone/>
+            </a:pPr>
+            <a:r>
+              <a:rPr sz="2000"/>
+              <a:t>Without telemetry, your system is just a big black box filled with mystery.</a:t>
+            </a:r>
+          </a:p>
+          <a:p>
+            <a:pPr lvl="1"/>
+            <a:r>
+              <a:rPr/>
+              <a:t>this is especially a problem with distributed systems</a:t>
+            </a:r>
+          </a:p>
+          <a:p>
+            <a:pPr lvl="1"/>
+            <a:r>
+              <a:rPr/>
+              <a:t>part of the system runs on a sensor, appliance or even a phone</a:t>
+            </a:r>
+          </a:p>
+          <a:p>
+            <a:pPr lvl="1"/>
+            <a:r>
+              <a:rPr/>
+              <a:t>telemetry lets operators and other stakeholders see inside the box and help the system reach it’s goals.</a:t>
             </a:r>
           </a:p>
         </p:txBody>
@@ -3746,6 +5132,400 @@
             <a:r>
               <a:rPr/>
               <a:t>.</a:t>
+            </a:r>
+          </a:p>
+        </p:txBody>
+      </p:sp>
+    </p:spTree>
+  </p:cSld>
+</p:sld>
+</file>
+
+<file path=ppt/slides/slide7.xml><?xml version="1.0" encoding="utf-8"?>
+<p:sld xmlns:a="http://schemas.openxmlformats.org/drawingml/2006/main" xmlns:r="http://schemas.openxmlformats.org/officeDocument/2006/relationships" xmlns:p="http://schemas.openxmlformats.org/presentationml/2006/main">
+  <p:cSld>
+    <p:spTree>
+      <p:nvGrpSpPr>
+        <p:cNvPr id="1" name=""/>
+        <p:cNvGrpSpPr/>
+        <p:nvPr/>
+      </p:nvGrpSpPr>
+      <p:grpSpPr>
+        <a:xfrm>
+          <a:off x="0" y="0"/>
+          <a:ext cx="0" cy="0"/>
+          <a:chOff x="0" y="0"/>
+          <a:chExt cx="0" cy="0"/>
+        </a:xfrm>
+      </p:grpSpPr>
+      <p:sp>
+        <p:nvSpPr>
+          <p:cNvPr id="2" name="Title 1"/>
+          <p:cNvSpPr>
+            <a:spLocks noGrp="1"/>
+          </p:cNvSpPr>
+          <p:nvPr>
+            <p:ph type="title"/>
+          </p:nvPr>
+        </p:nvSpPr>
+        <p:spPr/>
+        <p:txBody>
+          <a:bodyPr/>
+          <a:lstStyle/>
+          <a:p>
+            <a:pPr lvl="0" marL="0" indent="0">
+              <a:buNone/>
+            </a:pPr>
+            <a:r>
+              <a:rPr/>
+              <a:t>Learning</a:t>
+            </a:r>
+            <a:r>
+              <a:rPr/>
+              <a:t> </a:t>
+            </a:r>
+            <a:r>
+              <a:rPr/>
+              <a:t>outcomes</a:t>
+            </a:r>
+          </a:p>
+        </p:txBody>
+      </p:sp>
+      <p:sp>
+        <p:nvSpPr>
+          <p:cNvPr id="3" name="Content Placeholder 2"/>
+          <p:cNvSpPr>
+            <a:spLocks noGrp="1"/>
+          </p:cNvSpPr>
+          <p:nvPr>
+            <p:ph idx="1"/>
+          </p:nvPr>
+        </p:nvSpPr>
+        <p:spPr/>
+        <p:txBody>
+          <a:bodyPr/>
+          <a:lstStyle/>
+          <a:p>
+            <a:pPr lvl="1"/>
+            <a:r>
+              <a:rPr/>
+              <a:t>Explain how historical applications of telemetry for things like predictive maintenance apply to software.</a:t>
+            </a:r>
+          </a:p>
+          <a:p>
+            <a:pPr lvl="1"/>
+            <a:r>
+              <a:rPr/>
+              <a:t>Compare alternatives for software telemetry within the observability ecosystem.</a:t>
+            </a:r>
+          </a:p>
+          <a:p>
+            <a:pPr lvl="1"/>
+            <a:r>
+              <a:rPr/>
+              <a:t>Justify the storage needs for telemetry, based on information needs for operational success.</a:t>
+            </a:r>
+          </a:p>
+          <a:p>
+            <a:pPr lvl="1"/>
+            <a:r>
+              <a:rPr/>
+              <a:t>Validate and configure collectors to collect logs and/or metrics for observability and troubleshooting.</a:t>
+            </a:r>
+          </a:p>
+        </p:txBody>
+      </p:sp>
+    </p:spTree>
+  </p:cSld>
+</p:sld>
+</file>
+
+<file path=ppt/slides/slide8.xml><?xml version="1.0" encoding="utf-8"?>
+<p:sld xmlns:a="http://schemas.openxmlformats.org/drawingml/2006/main" xmlns:r="http://schemas.openxmlformats.org/officeDocument/2006/relationships" xmlns:p="http://schemas.openxmlformats.org/presentationml/2006/main">
+  <p:cSld>
+    <p:spTree>
+      <p:nvGrpSpPr>
+        <p:cNvPr id="1" name=""/>
+        <p:cNvGrpSpPr/>
+        <p:nvPr/>
+      </p:nvGrpSpPr>
+      <p:grpSpPr>
+        <a:xfrm>
+          <a:off x="0" y="0"/>
+          <a:ext cx="0" cy="0"/>
+          <a:chOff x="0" y="0"/>
+          <a:chExt cx="0" cy="0"/>
+        </a:xfrm>
+      </p:grpSpPr>
+      <p:sp>
+        <p:nvSpPr>
+          <p:cNvPr id="2" name="Title 1"/>
+          <p:cNvSpPr>
+            <a:spLocks noGrp="1"/>
+          </p:cNvSpPr>
+          <p:nvPr>
+            <p:ph type="title"/>
+          </p:nvPr>
+        </p:nvSpPr>
+        <p:spPr/>
+        <p:txBody>
+          <a:bodyPr/>
+          <a:lstStyle/>
+          <a:p>
+            <a:pPr lvl="0" marL="0" indent="0">
+              <a:buNone/>
+            </a:pPr>
+            <a:r>
+              <a:rPr/>
+              <a:t>A</a:t>
+            </a:r>
+            <a:r>
+              <a:rPr/>
+              <a:t> </a:t>
+            </a:r>
+            <a:r>
+              <a:rPr/>
+              <a:t>Brief</a:t>
+            </a:r>
+            <a:r>
+              <a:rPr/>
+              <a:t> </a:t>
+            </a:r>
+            <a:r>
+              <a:rPr/>
+              <a:t>History</a:t>
+            </a:r>
+            <a:r>
+              <a:rPr/>
+              <a:t> </a:t>
+            </a:r>
+            <a:r>
+              <a:rPr/>
+              <a:t>of</a:t>
+            </a:r>
+            <a:r>
+              <a:rPr/>
+              <a:t> </a:t>
+            </a:r>
+            <a:r>
+              <a:rPr/>
+              <a:t>Telemetry</a:t>
+            </a:r>
+          </a:p>
+        </p:txBody>
+      </p:sp>
+      <p:pic>
+        <p:nvPicPr>
+          <p:cNvPr descr="images/800px-Electric_frame_signalbox_at_London_Bridge,_Southern_Railway_(CJ_Allen,_Steel_Highway,_1928).jpg" id="0" name="Picture 1"/>
+          <p:cNvPicPr>
+            <a:picLocks noGrp="1" noChangeAspect="1"/>
+          </p:cNvPicPr>
+          <p:nvPr/>
+        </p:nvPicPr>
+        <p:blipFill>
+          <a:blip r:embed="rId2"/>
+          <a:stretch>
+            <a:fillRect/>
+          </a:stretch>
+        </p:blipFill>
+        <p:spPr bwMode="auto">
+          <a:xfrm>
+            <a:off x="1803400" y="1600200"/>
+            <a:ext cx="5537200" cy="4013200"/>
+          </a:xfrm>
+          <a:prstGeom prst="rect">
+            <a:avLst/>
+          </a:prstGeom>
+          <a:noFill/>
+          <a:ln w="9525">
+            <a:noFill/>
+            <a:headEnd/>
+            <a:tailEnd/>
+          </a:ln>
+        </p:spPr>
+      </p:pic>
+      <p:sp>
+        <p:nvSpPr>
+          <p:cNvPr id="1" name="TextBox 3"/>
+          <p:cNvSpPr txBox="1"/>
+          <p:nvPr/>
+        </p:nvSpPr>
+        <p:spPr>
+          <a:xfrm>
+            <a:off x="457200" y="5613400"/>
+            <a:ext cx="8229600" cy="508000"/>
+          </a:xfrm>
+          <a:prstGeom prst="rect">
+            <a:avLst/>
+          </a:prstGeom>
+          <a:noFill/>
+        </p:spPr>
+        <p:txBody>
+          <a:bodyPr/>
+          <a:lstStyle/>
+          <a:p>
+            <a:pPr lvl="0" marL="0" indent="0" algn="ctr">
+              <a:buNone/>
+            </a:pPr>
+            <a:r>
+              <a:rPr/>
+              <a:t>Southern</a:t>
+            </a:r>
+            <a:r>
+              <a:rPr/>
+              <a:t> </a:t>
+            </a:r>
+            <a:r>
+              <a:rPr/>
+              <a:t>Railway,</a:t>
+            </a:r>
+            <a:r>
+              <a:rPr/>
+              <a:t> </a:t>
+            </a:r>
+            <a:r>
+              <a:rPr/>
+              <a:t>1928</a:t>
+            </a:r>
+          </a:p>
+        </p:txBody>
+      </p:sp>
+    </p:spTree>
+  </p:cSld>
+</p:sld>
+</file>
+
+<file path=ppt/slides/slide9.xml><?xml version="1.0" encoding="utf-8"?>
+<p:sld xmlns:a="http://schemas.openxmlformats.org/drawingml/2006/main" xmlns:r="http://schemas.openxmlformats.org/officeDocument/2006/relationships" xmlns:p="http://schemas.openxmlformats.org/presentationml/2006/main">
+  <p:cSld>
+    <p:spTree>
+      <p:nvGrpSpPr>
+        <p:cNvPr id="1" name=""/>
+        <p:cNvGrpSpPr/>
+        <p:nvPr/>
+      </p:nvGrpSpPr>
+      <p:grpSpPr>
+        <a:xfrm>
+          <a:off x="0" y="0"/>
+          <a:ext cx="0" cy="0"/>
+          <a:chOff x="0" y="0"/>
+          <a:chExt cx="0" cy="0"/>
+        </a:xfrm>
+      </p:grpSpPr>
+      <p:sp>
+        <p:nvSpPr>
+          <p:cNvPr id="2" name="Title 1"/>
+          <p:cNvSpPr>
+            <a:spLocks noGrp="1"/>
+          </p:cNvSpPr>
+          <p:nvPr>
+            <p:ph type="title"/>
+          </p:nvPr>
+        </p:nvSpPr>
+        <p:spPr/>
+        <p:txBody>
+          <a:bodyPr/>
+          <a:lstStyle/>
+          <a:p>
+            <a:pPr lvl="0" marL="0" indent="0">
+              <a:buNone/>
+            </a:pPr>
+            <a:r>
+              <a:rPr/>
+              <a:t>“</a:t>
+            </a:r>
+            <a:r>
+              <a:rPr/>
+              <a:t>Telemetry</a:t>
+            </a:r>
+            <a:r>
+              <a:rPr/>
+              <a:t>”</a:t>
+            </a:r>
+            <a:r>
+              <a:rPr/>
+              <a:t> </a:t>
+            </a:r>
+            <a:r>
+              <a:rPr/>
+              <a:t>sent</a:t>
+            </a:r>
+            <a:r>
+              <a:rPr/>
+              <a:t> </a:t>
+            </a:r>
+            <a:r>
+              <a:rPr/>
+              <a:t>over</a:t>
+            </a:r>
+            <a:r>
+              <a:rPr/>
+              <a:t> </a:t>
+            </a:r>
+            <a:r>
+              <a:rPr/>
+              <a:t>telegraph</a:t>
+            </a:r>
+            <a:r>
+              <a:rPr/>
+              <a:t> </a:t>
+            </a:r>
+            <a:r>
+              <a:rPr/>
+              <a:t>lines</a:t>
+            </a:r>
+          </a:p>
+        </p:txBody>
+      </p:sp>
+      <p:sp>
+        <p:nvSpPr>
+          <p:cNvPr id="3" name="Content Placeholder 2"/>
+          <p:cNvSpPr>
+            <a:spLocks noGrp="1"/>
+          </p:cNvSpPr>
+          <p:nvPr>
+            <p:ph idx="1"/>
+          </p:nvPr>
+        </p:nvSpPr>
+        <p:spPr/>
+        <p:txBody>
+          <a:bodyPr/>
+          <a:lstStyle/>
+          <a:p>
+            <a:pPr lvl="1"/>
+            <a:r>
+              <a:rPr/>
+              <a:t>used to control switches on train tracks, power plants and public power grids</a:t>
+            </a:r>
+          </a:p>
+          <a:p>
+            <a:pPr lvl="0" marL="1270000" indent="0">
+              <a:buNone/>
+            </a:pPr>
+            <a:r>
+              <a:rPr sz="2000"/>
+              <a:t>early but important distributed systems!</a:t>
+            </a:r>
+          </a:p>
+          <a:p>
+            <a:pPr lvl="1"/>
+            <a:r>
+              <a:rPr/>
+              <a:t>moved onto trains to prevent bearing overheating and fires</a:t>
+            </a:r>
+          </a:p>
+          <a:p>
+            <a:pPr lvl="1"/>
+            <a:r>
+              <a:rPr/>
+              <a:t>further expanded to predictive maintenance to keep broken trains from blocking the tracks</a:t>
+            </a:r>
+          </a:p>
+          <a:p>
+            <a:pPr lvl="1"/>
+            <a:r>
+              <a:rPr/>
+              <a:t>logging esentially built into Unix software with system activity reporting and system logging service</a:t>
             </a:r>
           </a:p>
         </p:txBody>
